--- a/Why OOP.pptx
+++ b/Why OOP.pptx
@@ -10,8 +10,9 @@
     <p:sldId id="257" r:id="rId4"/>
     <p:sldId id="258" r:id="rId5"/>
     <p:sldId id="259" r:id="rId6"/>
-    <p:sldId id="260" r:id="rId7"/>
-    <p:sldId id="261" r:id="rId8"/>
+    <p:sldId id="263" r:id="rId7"/>
+    <p:sldId id="260" r:id="rId8"/>
+    <p:sldId id="261" r:id="rId9"/>
   </p:sldIdLst>
   <p:sldSz cx="12192000" cy="6858000"/>
   <p:notesSz cx="6858000" cy="9144000"/>
@@ -110,6 +111,11 @@
       </a:defRPr>
     </a:lvl9pPr>
   </p:defaultTextStyle>
+  <p:extLst>
+    <p:ext uri="{EFAFB233-063F-42B5-8137-9DF3F51BA10A}">
+      <p15:sldGuideLst xmlns:p15="http://schemas.microsoft.com/office/powerpoint/2012/main"/>
+    </p:ext>
+  </p:extLst>
 </p:presentation>
 </file>
 
@@ -244,7 +250,7 @@
           <a:p>
             <a:fld id="{0D86DB19-B2BA-453C-8251-7828F54F0216}" type="datetimeFigureOut">
               <a:rPr lang="en-US" smtClean="0"/>
-              <a:t>7/10/2020</a:t>
+              <a:t>7/11/2020</a:t>
             </a:fld>
             <a:endParaRPr lang="en-US"/>
           </a:p>
@@ -414,7 +420,7 @@
           <a:p>
             <a:fld id="{0D86DB19-B2BA-453C-8251-7828F54F0216}" type="datetimeFigureOut">
               <a:rPr lang="en-US" smtClean="0"/>
-              <a:t>7/10/2020</a:t>
+              <a:t>7/11/2020</a:t>
             </a:fld>
             <a:endParaRPr lang="en-US"/>
           </a:p>
@@ -594,7 +600,7 @@
           <a:p>
             <a:fld id="{0D86DB19-B2BA-453C-8251-7828F54F0216}" type="datetimeFigureOut">
               <a:rPr lang="en-US" smtClean="0"/>
-              <a:t>7/10/2020</a:t>
+              <a:t>7/11/2020</a:t>
             </a:fld>
             <a:endParaRPr lang="en-US"/>
           </a:p>
@@ -764,7 +770,7 @@
           <a:p>
             <a:fld id="{0D86DB19-B2BA-453C-8251-7828F54F0216}" type="datetimeFigureOut">
               <a:rPr lang="en-US" smtClean="0"/>
-              <a:t>7/10/2020</a:t>
+              <a:t>7/11/2020</a:t>
             </a:fld>
             <a:endParaRPr lang="en-US"/>
           </a:p>
@@ -1010,7 +1016,7 @@
           <a:p>
             <a:fld id="{0D86DB19-B2BA-453C-8251-7828F54F0216}" type="datetimeFigureOut">
               <a:rPr lang="en-US" smtClean="0"/>
-              <a:t>7/10/2020</a:t>
+              <a:t>7/11/2020</a:t>
             </a:fld>
             <a:endParaRPr lang="en-US"/>
           </a:p>
@@ -1242,7 +1248,7 @@
           <a:p>
             <a:fld id="{0D86DB19-B2BA-453C-8251-7828F54F0216}" type="datetimeFigureOut">
               <a:rPr lang="en-US" smtClean="0"/>
-              <a:t>7/10/2020</a:t>
+              <a:t>7/11/2020</a:t>
             </a:fld>
             <a:endParaRPr lang="en-US"/>
           </a:p>
@@ -1609,7 +1615,7 @@
           <a:p>
             <a:fld id="{0D86DB19-B2BA-453C-8251-7828F54F0216}" type="datetimeFigureOut">
               <a:rPr lang="en-US" smtClean="0"/>
-              <a:t>7/10/2020</a:t>
+              <a:t>7/11/2020</a:t>
             </a:fld>
             <a:endParaRPr lang="en-US"/>
           </a:p>
@@ -1727,7 +1733,7 @@
           <a:p>
             <a:fld id="{0D86DB19-B2BA-453C-8251-7828F54F0216}" type="datetimeFigureOut">
               <a:rPr lang="en-US" smtClean="0"/>
-              <a:t>7/10/2020</a:t>
+              <a:t>7/11/2020</a:t>
             </a:fld>
             <a:endParaRPr lang="en-US"/>
           </a:p>
@@ -1822,7 +1828,7 @@
           <a:p>
             <a:fld id="{0D86DB19-B2BA-453C-8251-7828F54F0216}" type="datetimeFigureOut">
               <a:rPr lang="en-US" smtClean="0"/>
-              <a:t>7/10/2020</a:t>
+              <a:t>7/11/2020</a:t>
             </a:fld>
             <a:endParaRPr lang="en-US"/>
           </a:p>
@@ -2099,7 +2105,7 @@
           <a:p>
             <a:fld id="{0D86DB19-B2BA-453C-8251-7828F54F0216}" type="datetimeFigureOut">
               <a:rPr lang="en-US" smtClean="0"/>
-              <a:t>7/10/2020</a:t>
+              <a:t>7/11/2020</a:t>
             </a:fld>
             <a:endParaRPr lang="en-US"/>
           </a:p>
@@ -2352,7 +2358,7 @@
           <a:p>
             <a:fld id="{0D86DB19-B2BA-453C-8251-7828F54F0216}" type="datetimeFigureOut">
               <a:rPr lang="en-US" smtClean="0"/>
-              <a:t>7/10/2020</a:t>
+              <a:t>7/11/2020</a:t>
             </a:fld>
             <a:endParaRPr lang="en-US"/>
           </a:p>
@@ -2565,7 +2571,7 @@
           <a:p>
             <a:fld id="{0D86DB19-B2BA-453C-8251-7828F54F0216}" type="datetimeFigureOut">
               <a:rPr lang="en-US" smtClean="0"/>
-              <a:t>7/10/2020</a:t>
+              <a:t>7/11/2020</a:t>
             </a:fld>
             <a:endParaRPr lang="en-US"/>
           </a:p>
@@ -3052,7 +3058,12 @@
             <p:ph idx="1"/>
           </p:nvPr>
         </p:nvSpPr>
-        <p:spPr/>
+        <p:spPr>
+          <a:xfrm>
+            <a:off x="838200" y="1825625"/>
+            <a:ext cx="11253716" cy="4351338"/>
+          </a:xfrm>
+        </p:spPr>
         <p:txBody>
           <a:bodyPr/>
           <a:lstStyle/>
@@ -3086,49 +3097,62 @@
               <a:buNone/>
             </a:pPr>
             <a:r>
-              <a:rPr lang="en-US" dirty="0" smtClean="0"/>
+              <a:rPr lang="en-US" sz="2400" dirty="0" smtClean="0"/>
               <a:t>𝟏</a:t>
             </a:r>
             <a:r>
-              <a:rPr lang="en-US" dirty="0"/>
+              <a:rPr lang="en-US" sz="2400" dirty="0"/>
               <a:t>. 𝐍𝐞𝐞𝐝𝐬 𝐨𝐟 𝐑𝐞𝐮𝐬𝐚𝐛𝐥𝐞 </a:t>
             </a:r>
             <a:r>
-              <a:rPr lang="en-US" dirty="0" smtClean="0"/>
+              <a:rPr lang="en-US" sz="2400" dirty="0" smtClean="0"/>
               <a:t>𝐂𝐨𝐝𝐞</a:t>
             </a:r>
             <a:r>
-              <a:rPr lang="en-US" dirty="0"/>
+              <a:rPr lang="en-US" sz="2400" dirty="0"/>
               <a:t/>
             </a:r>
             <a:br>
-              <a:rPr lang="en-US" dirty="0"/>
+              <a:rPr lang="en-US" sz="2400" dirty="0"/>
             </a:br>
             <a:r>
-              <a:rPr lang="en-US" dirty="0"/>
+              <a:rPr lang="en-US" sz="2400" dirty="0"/>
               <a:t>𝟐. 𝐇𝐨𝐰 𝐭𝐨 𝐑𝐞𝐟𝐚𝐜𝐭𝐨𝐫 𝐚𝐧 𝐄𝐱𝐢𝐬𝐭𝐢𝐧𝐠 𝐂𝐨𝐝𝐞</a:t>
             </a:r>
             <a:br>
-              <a:rPr lang="en-US" dirty="0"/>
+              <a:rPr lang="en-US" sz="2400" dirty="0"/>
             </a:br>
             <a:r>
-              <a:rPr lang="en-US" dirty="0"/>
+              <a:rPr lang="en-US" sz="2400" dirty="0"/>
               <a:t>𝟑. 𝐆𝐨𝐨𝐝 𝐏𝐫𝐚𝐜𝐭𝐢𝐜𝐞 𝐚𝐧𝐝 𝐂𝐨𝐝𝐢𝐧𝐠 𝐂𝐨𝐧𝐯𝐞𝐧𝐭𝐢𝐨𝐧</a:t>
             </a:r>
             <a:br>
-              <a:rPr lang="en-US" dirty="0"/>
+              <a:rPr lang="en-US" sz="2400" dirty="0"/>
             </a:br>
             <a:r>
-              <a:rPr lang="en-US" dirty="0"/>
+              <a:rPr lang="en-US" sz="2400" dirty="0"/>
               <a:t>𝟒. 𝐖𝐡𝐲 𝐭𝐨 𝐀𝐩𝐩𝐥𝐲 𝐎𝐛𝐣𝐞𝐜𝐭 𝐎𝐫𝐢𝐞𝐧𝐭𝐞𝐝 𝐏𝐫𝐨𝐠𝐫𝐚𝐦𝐦𝐢𝐧𝐠 (𝐎𝐎𝐏)</a:t>
             </a:r>
             <a:br>
-              <a:rPr lang="en-US" dirty="0"/>
+              <a:rPr lang="en-US" sz="2400" dirty="0"/>
             </a:br>
             <a:r>
-              <a:rPr lang="en-US" dirty="0"/>
-              <a:t>𝟓. 𝐄𝐱𝐩𝐥𝐚𝐢𝐧 𝐚𝐥𝐥 𝐨𝐟 𝐭𝐡𝐞𝐬𝐞 𝐖𝐢𝐭𝐡 𝐚𝐧 𝐫𝐞𝐚𝐥 𝐥𝐢𝐟𝐞 𝐞𝐱𝐚𝐦𝐩𝐥𝐞 𝐚𝐧𝐝 𝐰𝐢𝐭𝐡 𝐁𝐮𝐢𝐥𝐝𝐢𝐧𝐠 𝐚𝐧 𝐀𝐩𝐩𝐥𝐢𝐜𝐚𝐭𝐢𝐨𝐧</a:t>
-            </a:r>
+              <a:rPr lang="en-US" sz="2400" dirty="0"/>
+              <a:t>𝟓. 𝐄𝐱𝐩𝐥𝐚𝐢𝐧 𝐚𝐥𝐥 𝐨𝐟 𝐭𝐡𝐞𝐬𝐞 𝐖𝐢𝐭𝐡 𝐚𝐧 𝐫𝐞𝐚𝐥 𝐥𝐢𝐟𝐞 𝐞𝐱𝐚𝐦𝐩𝐥𝐞 𝐚𝐧𝐝 </a:t>
+            </a:r>
+            <a:r>
+              <a:rPr lang="en-US" sz="2400" dirty="0" smtClean="0"/>
+              <a:t>𝐁𝐮𝐢𝐥𝐝𝐢𝐧𝐠 </a:t>
+            </a:r>
+            <a:r>
+              <a:rPr lang="en-US" sz="2400" dirty="0"/>
+              <a:t>𝐚𝐧 </a:t>
+            </a:r>
+            <a:r>
+              <a:rPr lang="en-US" sz="2400" dirty="0" smtClean="0"/>
+              <a:t>𝐀𝐩𝐩𝐥𝐢𝐜𝐚𝐭𝐢𝐨𝐧</a:t>
+            </a:r>
+            <a:endParaRPr lang="en-US" sz="2400" dirty="0"/>
           </a:p>
         </p:txBody>
       </p:sp>
@@ -3221,13 +3245,13 @@
   <p:clrMapOvr>
     <a:masterClrMapping/>
   </p:clrMapOvr>
-  <mc:AlternateContent xmlns:mc="http://schemas.openxmlformats.org/markup-compatibility/2006">
-    <mc:Choice xmlns:p14="http://schemas.microsoft.com/office/powerpoint/2010/main" Requires="p14">
+  <mc:AlternateContent xmlns:mc="http://schemas.openxmlformats.org/markup-compatibility/2006" xmlns:p14="http://schemas.microsoft.com/office/powerpoint/2010/main">
+    <mc:Choice Requires="p14">
       <p:transition spd="slow" p14:dur="1600">
         <p14:prism isInverted="1"/>
       </p:transition>
     </mc:Choice>
-    <mc:Fallback>
+    <mc:Fallback xmlns="">
       <p:transition spd="slow">
         <p:fade/>
       </p:transition>
@@ -3311,7 +3335,6 @@
               <a:rPr lang="en-US" dirty="0" smtClean="0"/>
               <a:t>Good Practices &amp; Coding Conventions</a:t>
             </a:r>
-            <a:endParaRPr lang="en-US" dirty="0" smtClean="0"/>
           </a:p>
           <a:p>
             <a:r>
@@ -3340,7 +3363,7 @@
   <mc:AlternateContent xmlns:mc="http://schemas.openxmlformats.org/markup-compatibility/2006">
     <mc:Choice xmlns:p15="http://schemas.microsoft.com/office/powerpoint/2012/main" Requires="p15">
       <p:transition xmlns:p14="http://schemas.microsoft.com/office/powerpoint/2010/main" spd="slow" p14:dur="2000">
-        <p15:prstTrans prst="drape"/>
+        <p15:prstTrans prst="wind"/>
       </p:transition>
     </mc:Choice>
     <mc:Fallback>
@@ -3404,13 +3427,18 @@
             <a:endParaRPr lang="en-US" sz="1800" dirty="0" smtClean="0"/>
           </a:p>
           <a:p>
+            <a:pPr marL="457200" indent="-457200">
+              <a:buAutoNum type="arabicPeriod" startAt="3"/>
+            </a:pPr>
+            <a:r>
+              <a:rPr lang="en-US" sz="2000" dirty="0" smtClean="0"/>
+              <a:t>//</a:t>
+            </a:r>
+          </a:p>
+          <a:p>
             <a:pPr marL="0" indent="0">
               <a:buNone/>
             </a:pPr>
-            <a:r>
-              <a:rPr lang="en-US" sz="1800" dirty="0" smtClean="0"/>
-              <a:t>3.  </a:t>
-            </a:r>
             <a:r>
               <a:rPr lang="en-US" sz="2000" dirty="0" smtClean="0"/>
               <a:t>use</a:t>
@@ -3429,7 +3457,16 @@
             </a:r>
             <a:r>
               <a:rPr lang="en-US" sz="2000" dirty="0" smtClean="0"/>
-              <a:t>arguments , </a:t>
+              <a:t>arguments ,</a:t>
+            </a:r>
+          </a:p>
+          <a:p>
+            <a:pPr marL="0" indent="0">
+              <a:buNone/>
+            </a:pPr>
+            <a:r>
+              <a:rPr lang="en-US" sz="2000" dirty="0" smtClean="0"/>
+              <a:t> </a:t>
             </a:r>
             <a:r>
               <a:rPr lang="en-US" sz="2000" dirty="0"/>
@@ -3585,8 +3622,8 @@
         </p:nvSpPr>
         <p:spPr>
           <a:xfrm>
-            <a:off x="6023212" y="1146834"/>
-            <a:ext cx="6168788" cy="1569660"/>
+            <a:off x="7751929" y="1009935"/>
+            <a:ext cx="4148920" cy="2862322"/>
           </a:xfrm>
           <a:prstGeom prst="rect">
             <a:avLst/>
@@ -3600,60 +3637,141 @@
           <a:lstStyle/>
           <a:p>
             <a:r>
-              <a:rPr lang="en-US" sz="2400" dirty="0" smtClean="0"/>
-              <a:t>2 prefix interfaces with the letter </a:t>
-            </a:r>
-            <a:r>
-              <a:rPr lang="en-US" sz="2400" b="1" dirty="0" smtClean="0"/>
-              <a:t>I</a:t>
-            </a:r>
-            <a:r>
-              <a:rPr lang="en-US" sz="2400" dirty="0" smtClean="0"/>
-              <a:t>.  </a:t>
-            </a:r>
-          </a:p>
-          <a:p>
-            <a:r>
-              <a:rPr lang="en-US" sz="2400" b="1" dirty="0" smtClean="0"/>
-              <a:t>public interface </a:t>
-            </a:r>
-            <a:r>
-              <a:rPr lang="en-US" sz="2400" b="1" dirty="0" err="1" smtClean="0"/>
-              <a:t>IProductCategory</a:t>
-            </a:r>
-            <a:r>
-              <a:rPr lang="en-US" sz="2400" b="1" dirty="0" smtClean="0"/>
-              <a:t> {}</a:t>
-            </a:r>
-          </a:p>
-          <a:p>
-            <a:r>
-              <a:rPr lang="en-US" sz="2400" b="1" dirty="0" smtClean="0"/>
-              <a:t>public interface </a:t>
-            </a:r>
-            <a:r>
-              <a:rPr lang="en-US" sz="2400" b="1" dirty="0" err="1" smtClean="0"/>
-              <a:t>ISupplier</a:t>
-            </a:r>
-            <a:r>
-              <a:rPr lang="en-US" sz="2400" b="1" dirty="0" smtClean="0"/>
-              <a:t>{}</a:t>
-            </a:r>
-          </a:p>
-          <a:p>
-            <a:r>
-              <a:rPr lang="en-US" sz="2400" b="1" dirty="0" smtClean="0"/>
-              <a:t>public interface </a:t>
-            </a:r>
-            <a:r>
-              <a:rPr lang="en-US" sz="2400" b="1" dirty="0" err="1" smtClean="0"/>
-              <a:t>ICustomer</a:t>
-            </a:r>
-            <a:r>
-              <a:rPr lang="en-US" sz="2400" b="1" dirty="0" smtClean="0"/>
-              <a:t>{}</a:t>
-            </a:r>
-            <a:endParaRPr lang="en-US" sz="2400" b="1" dirty="0" smtClean="0"/>
+              <a:rPr lang="en-US" sz="2000" dirty="0" smtClean="0"/>
+              <a:t>2 .</a:t>
+            </a:r>
+          </a:p>
+          <a:p>
+            <a:r>
+              <a:rPr lang="en-US" sz="2000" b="1" dirty="0" smtClean="0"/>
+              <a:t>// </a:t>
+            </a:r>
+            <a:r>
+              <a:rPr lang="en-US" sz="2000" b="1" dirty="0"/>
+              <a:t>Correct</a:t>
+            </a:r>
+          </a:p>
+          <a:p>
+            <a:r>
+              <a:rPr lang="en-US" sz="2000" b="1" dirty="0"/>
+              <a:t>public </a:t>
+            </a:r>
+            <a:r>
+              <a:rPr lang="en-US" sz="2000" b="1" dirty="0" err="1"/>
+              <a:t>DateTime</a:t>
+            </a:r>
+            <a:r>
+              <a:rPr lang="en-US" sz="2000" b="1" dirty="0"/>
+              <a:t> </a:t>
+            </a:r>
+            <a:r>
+              <a:rPr lang="en-US" sz="2000" b="1" dirty="0" err="1"/>
+              <a:t>clientAppointment</a:t>
+            </a:r>
+            <a:r>
+              <a:rPr lang="en-US" sz="2000" b="1" dirty="0"/>
+              <a:t>;</a:t>
+            </a:r>
+          </a:p>
+          <a:p>
+            <a:r>
+              <a:rPr lang="en-US" sz="2000" b="1" dirty="0"/>
+              <a:t>public </a:t>
+            </a:r>
+            <a:r>
+              <a:rPr lang="en-US" sz="2000" b="1" dirty="0" err="1"/>
+              <a:t>TimeSpan</a:t>
+            </a:r>
+            <a:r>
+              <a:rPr lang="en-US" sz="2000" b="1" dirty="0"/>
+              <a:t> </a:t>
+            </a:r>
+            <a:r>
+              <a:rPr lang="en-US" sz="2000" b="1" dirty="0" err="1"/>
+              <a:t>timeLeft</a:t>
+            </a:r>
+            <a:r>
+              <a:rPr lang="en-US" sz="2000" b="1" dirty="0"/>
+              <a:t>;</a:t>
+            </a:r>
+          </a:p>
+          <a:p>
+            <a:r>
+              <a:rPr lang="en-US" sz="2000" b="1" dirty="0"/>
+              <a:t>// Avoid</a:t>
+            </a:r>
+          </a:p>
+          <a:p>
+            <a:r>
+              <a:rPr lang="en-US" sz="2000" b="1" dirty="0"/>
+              <a:t>public </a:t>
+            </a:r>
+            <a:r>
+              <a:rPr lang="en-US" sz="2000" b="1" dirty="0" err="1"/>
+              <a:t>DateTime</a:t>
+            </a:r>
+            <a:r>
+              <a:rPr lang="en-US" sz="2000" b="1" dirty="0"/>
+              <a:t> </a:t>
+            </a:r>
+            <a:r>
+              <a:rPr lang="en-US" sz="2000" b="1" dirty="0" err="1"/>
+              <a:t>client_Appointment</a:t>
+            </a:r>
+            <a:r>
+              <a:rPr lang="en-US" sz="2000" b="1" dirty="0"/>
+              <a:t>;</a:t>
+            </a:r>
+          </a:p>
+          <a:p>
+            <a:r>
+              <a:rPr lang="en-US" sz="2000" b="1" dirty="0"/>
+              <a:t>public </a:t>
+            </a:r>
+            <a:r>
+              <a:rPr lang="en-US" sz="2000" b="1" dirty="0" err="1"/>
+              <a:t>TimeSpan</a:t>
+            </a:r>
+            <a:r>
+              <a:rPr lang="en-US" sz="2000" b="1" dirty="0"/>
+              <a:t> </a:t>
+            </a:r>
+            <a:r>
+              <a:rPr lang="en-US" sz="2000" b="1" dirty="0" err="1"/>
+              <a:t>time_Left</a:t>
+            </a:r>
+            <a:r>
+              <a:rPr lang="en-US" sz="2000" b="1" dirty="0"/>
+              <a:t>;</a:t>
+            </a:r>
+          </a:p>
+          <a:p>
+            <a:r>
+              <a:rPr lang="en-US" sz="2000" b="1" dirty="0"/>
+              <a:t>// Exception</a:t>
+            </a:r>
+          </a:p>
+          <a:p>
+            <a:r>
+              <a:rPr lang="en-US" sz="2000" b="1" dirty="0"/>
+              <a:t>private </a:t>
+            </a:r>
+            <a:r>
+              <a:rPr lang="en-US" sz="2000" b="1" dirty="0" err="1"/>
+              <a:t>DateTime</a:t>
+            </a:r>
+            <a:r>
+              <a:rPr lang="en-US" sz="2000" b="1" dirty="0"/>
+              <a:t> _</a:t>
+            </a:r>
+            <a:r>
+              <a:rPr lang="en-US" sz="2000" b="1" dirty="0" err="1"/>
+              <a:t>registrationDate</a:t>
+            </a:r>
+            <a:r>
+              <a:rPr lang="en-US" sz="2000" b="1" dirty="0"/>
+              <a:t>;</a:t>
+            </a:r>
           </a:p>
         </p:txBody>
       </p:sp>
@@ -3698,7 +3816,7 @@
             </a:br>
             <a:r>
               <a:rPr lang="en-US" sz="2400" dirty="0" err="1" smtClean="0"/>
-              <a:t>ProductCategory</a:t>
+              <a:t>int</a:t>
             </a:r>
             <a:r>
               <a:rPr lang="en-US" sz="2400" dirty="0" smtClean="0"/>
@@ -3706,7 +3824,7 @@
             </a:r>
             <a:r>
               <a:rPr lang="en-US" sz="2400" dirty="0" err="1" smtClean="0"/>
-              <a:t>productCategory</a:t>
+              <a:t>totalProductCount</a:t>
             </a:r>
             <a:r>
               <a:rPr lang="en-US" sz="2400" dirty="0" smtClean="0"/>
@@ -3728,19 +3846,19 @@
             </a:br>
             <a:r>
               <a:rPr lang="en-US" sz="2400" dirty="0" err="1" smtClean="0"/>
-              <a:t>ProductCategory</a:t>
+              <a:t>int</a:t>
             </a:r>
             <a:r>
               <a:rPr lang="en-US" sz="2400" dirty="0" smtClean="0"/>
               <a:t> </a:t>
             </a:r>
             <a:r>
-              <a:rPr lang="en-US" sz="2400" dirty="0" err="1" smtClean="0"/>
-              <a:t>prodCat</a:t>
+              <a:rPr lang="en-US" sz="2400" smtClean="0"/>
+              <a:t>prodcnt;</a:t>
             </a:r>
             <a:r>
               <a:rPr lang="en-US" sz="2400" dirty="0" smtClean="0"/>
-              <a:t>; </a:t>
+              <a:t> </a:t>
             </a:r>
           </a:p>
           <a:p>
@@ -3757,7 +3875,7 @@
         <p:spPr>
           <a:xfrm>
             <a:off x="3043451" y="327546"/>
-            <a:ext cx="4981433" cy="461665"/>
+            <a:ext cx="5281683" cy="461665"/>
           </a:xfrm>
           <a:prstGeom prst="rect">
             <a:avLst/>
@@ -3776,7 +3894,7 @@
                   <a:schemeClr val="accent5"/>
                 </a:solidFill>
               </a:rPr>
-              <a:t>Good Practices &amp; Coding Conventions</a:t>
+              <a:t>C# Good Practices &amp; Coding Conventions</a:t>
             </a:r>
             <a:endParaRPr lang="en-US" sz="2400" dirty="0">
               <a:solidFill>
@@ -3796,13 +3914,13 @@
   <p:clrMapOvr>
     <a:masterClrMapping/>
   </p:clrMapOvr>
-  <mc:AlternateContent xmlns:mc="http://schemas.openxmlformats.org/markup-compatibility/2006">
-    <mc:Choice xmlns:p14="http://schemas.microsoft.com/office/powerpoint/2010/main" Requires="p14">
+  <mc:AlternateContent xmlns:mc="http://schemas.openxmlformats.org/markup-compatibility/2006" xmlns:p14="http://schemas.microsoft.com/office/powerpoint/2010/main">
+    <mc:Choice Requires="p14">
       <p:transition spd="slow" p14:dur="1200">
         <p14:prism/>
       </p:transition>
     </mc:Choice>
-    <mc:Fallback>
+    <mc:Fallback xmlns="">
       <p:transition spd="slow">
         <p:fade/>
       </p:transition>
@@ -3882,7 +4000,7 @@
                             </p:stCondLst>
                             <p:childTnLst>
                               <p:par>
-                                <p:cTn id="10" presetID="42" presetClass="entr" presetSubtype="0" fill="hold" nodeType="clickEffect">
+                                <p:cTn id="10" presetID="16" presetClass="entr" presetSubtype="21" fill="hold" nodeType="clickEffect">
                                   <p:stCondLst>
                                     <p:cond delay="0"/>
                                   </p:stCondLst>
@@ -3909,9 +4027,9 @@
                                         <p:strVal val="visible"/>
                                       </p:to>
                                     </p:set>
-                                    <p:animEffect transition="in" filter="fade">
-                                      <p:cBhvr>
-                                        <p:cTn id="12" dur="1000"/>
+                                    <p:animEffect transition="in" filter="barn(inVertical)">
+                                      <p:cBhvr>
+                                        <p:cTn id="12" dur="500"/>
                                         <p:tgtEl>
                                           <p:spTgt spid="7">
                                             <p:txEl>
@@ -3921,72 +4039,18 @@
                                         </p:tgtEl>
                                       </p:cBhvr>
                                     </p:animEffect>
-                                    <p:anim calcmode="lin" valueType="num">
-                                      <p:cBhvr>
-                                        <p:cTn id="13" dur="1000" fill="hold"/>
-                                        <p:tgtEl>
-                                          <p:spTgt spid="7">
-                                            <p:txEl>
-                                              <p:pRg st="0" end="0"/>
-                                            </p:txEl>
-                                          </p:spTgt>
-                                        </p:tgtEl>
-                                        <p:attrNameLst>
-                                          <p:attrName>ppt_x</p:attrName>
-                                        </p:attrNameLst>
-                                      </p:cBhvr>
-                                      <p:tavLst>
-                                        <p:tav tm="0">
-                                          <p:val>
-                                            <p:strVal val="#ppt_x"/>
-                                          </p:val>
-                                        </p:tav>
-                                        <p:tav tm="100000">
-                                          <p:val>
-                                            <p:strVal val="#ppt_x"/>
-                                          </p:val>
-                                        </p:tav>
-                                      </p:tavLst>
-                                    </p:anim>
-                                    <p:anim calcmode="lin" valueType="num">
-                                      <p:cBhvr>
-                                        <p:cTn id="14" dur="1000" fill="hold"/>
-                                        <p:tgtEl>
-                                          <p:spTgt spid="7">
-                                            <p:txEl>
-                                              <p:pRg st="0" end="0"/>
-                                            </p:txEl>
-                                          </p:spTgt>
-                                        </p:tgtEl>
-                                        <p:attrNameLst>
-                                          <p:attrName>ppt_y</p:attrName>
-                                        </p:attrNameLst>
-                                      </p:cBhvr>
-                                      <p:tavLst>
-                                        <p:tav tm="0">
-                                          <p:val>
-                                            <p:strVal val="#ppt_y+.1"/>
-                                          </p:val>
-                                        </p:tav>
-                                        <p:tav tm="100000">
-                                          <p:val>
-                                            <p:strVal val="#ppt_y"/>
-                                          </p:val>
-                                        </p:tav>
-                                      </p:tavLst>
-                                    </p:anim>
                                   </p:childTnLst>
                                 </p:cTn>
                               </p:par>
                               <p:par>
-                                <p:cTn id="15" presetID="42" presetClass="entr" presetSubtype="0" fill="hold" nodeType="withEffect">
+                                <p:cTn id="13" presetID="16" presetClass="entr" presetSubtype="21" fill="hold" nodeType="withEffect">
                                   <p:stCondLst>
                                     <p:cond delay="0"/>
                                   </p:stCondLst>
                                   <p:childTnLst>
                                     <p:set>
                                       <p:cBhvr>
-                                        <p:cTn id="16" dur="1" fill="hold">
+                                        <p:cTn id="14" dur="1" fill="hold">
                                           <p:stCondLst>
                                             <p:cond delay="0"/>
                                           </p:stCondLst>
@@ -4006,9 +4070,9 @@
                                         <p:strVal val="visible"/>
                                       </p:to>
                                     </p:set>
-                                    <p:animEffect transition="in" filter="fade">
-                                      <p:cBhvr>
-                                        <p:cTn id="17" dur="1000"/>
+                                    <p:animEffect transition="in" filter="barn(inVertical)">
+                                      <p:cBhvr>
+                                        <p:cTn id="15" dur="500"/>
                                         <p:tgtEl>
                                           <p:spTgt spid="7">
                                             <p:txEl>
@@ -4018,72 +4082,18 @@
                                         </p:tgtEl>
                                       </p:cBhvr>
                                     </p:animEffect>
-                                    <p:anim calcmode="lin" valueType="num">
-                                      <p:cBhvr>
-                                        <p:cTn id="18" dur="1000" fill="hold"/>
-                                        <p:tgtEl>
-                                          <p:spTgt spid="7">
-                                            <p:txEl>
-                                              <p:pRg st="1" end="1"/>
-                                            </p:txEl>
-                                          </p:spTgt>
-                                        </p:tgtEl>
-                                        <p:attrNameLst>
-                                          <p:attrName>ppt_x</p:attrName>
-                                        </p:attrNameLst>
-                                      </p:cBhvr>
-                                      <p:tavLst>
-                                        <p:tav tm="0">
-                                          <p:val>
-                                            <p:strVal val="#ppt_x"/>
-                                          </p:val>
-                                        </p:tav>
-                                        <p:tav tm="100000">
-                                          <p:val>
-                                            <p:strVal val="#ppt_x"/>
-                                          </p:val>
-                                        </p:tav>
-                                      </p:tavLst>
-                                    </p:anim>
-                                    <p:anim calcmode="lin" valueType="num">
-                                      <p:cBhvr>
-                                        <p:cTn id="19" dur="1000" fill="hold"/>
-                                        <p:tgtEl>
-                                          <p:spTgt spid="7">
-                                            <p:txEl>
-                                              <p:pRg st="1" end="1"/>
-                                            </p:txEl>
-                                          </p:spTgt>
-                                        </p:tgtEl>
-                                        <p:attrNameLst>
-                                          <p:attrName>ppt_y</p:attrName>
-                                        </p:attrNameLst>
-                                      </p:cBhvr>
-                                      <p:tavLst>
-                                        <p:tav tm="0">
-                                          <p:val>
-                                            <p:strVal val="#ppt_y+.1"/>
-                                          </p:val>
-                                        </p:tav>
-                                        <p:tav tm="100000">
-                                          <p:val>
-                                            <p:strVal val="#ppt_y"/>
-                                          </p:val>
-                                        </p:tav>
-                                      </p:tavLst>
-                                    </p:anim>
                                   </p:childTnLst>
                                 </p:cTn>
                               </p:par>
                               <p:par>
-                                <p:cTn id="20" presetID="42" presetClass="entr" presetSubtype="0" fill="hold" nodeType="withEffect">
+                                <p:cTn id="16" presetID="16" presetClass="entr" presetSubtype="21" fill="hold" nodeType="withEffect">
                                   <p:stCondLst>
                                     <p:cond delay="0"/>
                                   </p:stCondLst>
                                   <p:childTnLst>
                                     <p:set>
                                       <p:cBhvr>
-                                        <p:cTn id="21" dur="1" fill="hold">
+                                        <p:cTn id="17" dur="1" fill="hold">
                                           <p:stCondLst>
                                             <p:cond delay="0"/>
                                           </p:stCondLst>
@@ -4103,9 +4113,9 @@
                                         <p:strVal val="visible"/>
                                       </p:to>
                                     </p:set>
-                                    <p:animEffect transition="in" filter="fade">
-                                      <p:cBhvr>
-                                        <p:cTn id="22" dur="1000"/>
+                                    <p:animEffect transition="in" filter="barn(inVertical)">
+                                      <p:cBhvr>
+                                        <p:cTn id="18" dur="500"/>
                                         <p:tgtEl>
                                           <p:spTgt spid="7">
                                             <p:txEl>
@@ -4115,71 +4125,103 @@
                                         </p:tgtEl>
                                       </p:cBhvr>
                                     </p:animEffect>
-                                    <p:anim calcmode="lin" valueType="num">
-                                      <p:cBhvr>
-                                        <p:cTn id="23" dur="1000" fill="hold"/>
-                                        <p:tgtEl>
-                                          <p:spTgt spid="7">
-                                            <p:txEl>
-                                              <p:pRg st="2" end="2"/>
-                                            </p:txEl>
-                                          </p:spTgt>
-                                        </p:tgtEl>
-                                        <p:attrNameLst>
-                                          <p:attrName>ppt_x</p:attrName>
-                                        </p:attrNameLst>
-                                      </p:cBhvr>
-                                      <p:tavLst>
-                                        <p:tav tm="0">
-                                          <p:val>
-                                            <p:strVal val="#ppt_x"/>
-                                          </p:val>
-                                        </p:tav>
-                                        <p:tav tm="100000">
-                                          <p:val>
-                                            <p:strVal val="#ppt_x"/>
-                                          </p:val>
-                                        </p:tav>
-                                      </p:tavLst>
-                                    </p:anim>
-                                    <p:anim calcmode="lin" valueType="num">
-                                      <p:cBhvr>
-                                        <p:cTn id="24" dur="1000" fill="hold"/>
-                                        <p:tgtEl>
-                                          <p:spTgt spid="7">
-                                            <p:txEl>
-                                              <p:pRg st="2" end="2"/>
-                                            </p:txEl>
-                                          </p:spTgt>
-                                        </p:tgtEl>
-                                        <p:attrNameLst>
-                                          <p:attrName>ppt_y</p:attrName>
-                                        </p:attrNameLst>
-                                      </p:cBhvr>
-                                      <p:tavLst>
-                                        <p:tav tm="0">
-                                          <p:val>
-                                            <p:strVal val="#ppt_y+.1"/>
-                                          </p:val>
-                                        </p:tav>
-                                        <p:tav tm="100000">
-                                          <p:val>
-                                            <p:strVal val="#ppt_y"/>
-                                          </p:val>
-                                        </p:tav>
-                                      </p:tavLst>
-                                    </p:anim>
                                   </p:childTnLst>
                                 </p:cTn>
                               </p:par>
                               <p:par>
-                                <p:cTn id="25" presetID="42" presetClass="entr" presetSubtype="0" fill="hold" nodeType="withEffect">
+                                <p:cTn id="19" presetID="16" presetClass="entr" presetSubtype="21" fill="hold" nodeType="withEffect">
                                   <p:stCondLst>
                                     <p:cond delay="0"/>
                                   </p:stCondLst>
                                   <p:childTnLst>
                                     <p:set>
                                       <p:cBhvr>
+                                        <p:cTn id="20" dur="1" fill="hold">
+                                          <p:stCondLst>
+                                            <p:cond delay="0"/>
+                                          </p:stCondLst>
+                                        </p:cTn>
+                                        <p:tgtEl>
+                                          <p:spTgt spid="7">
+                                            <p:txEl>
+                                              <p:pRg st="3" end="3"/>
+                                            </p:txEl>
+                                          </p:spTgt>
+                                        </p:tgtEl>
+                                        <p:attrNameLst>
+                                          <p:attrName>style.visibility</p:attrName>
+                                        </p:attrNameLst>
+                                      </p:cBhvr>
+                                      <p:to>
+                                        <p:strVal val="visible"/>
+                                      </p:to>
+                                    </p:set>
+                                    <p:animEffect transition="in" filter="barn(inVertical)">
+                                      <p:cBhvr>
+                                        <p:cTn id="21" dur="500"/>
+                                        <p:tgtEl>
+                                          <p:spTgt spid="7">
+                                            <p:txEl>
+                                              <p:pRg st="3" end="3"/>
+                                            </p:txEl>
+                                          </p:spTgt>
+                                        </p:tgtEl>
+                                      </p:cBhvr>
+                                    </p:animEffect>
+                                  </p:childTnLst>
+                                </p:cTn>
+                              </p:par>
+                              <p:par>
+                                <p:cTn id="22" presetID="16" presetClass="entr" presetSubtype="21" fill="hold" nodeType="withEffect">
+                                  <p:stCondLst>
+                                    <p:cond delay="0"/>
+                                  </p:stCondLst>
+                                  <p:childTnLst>
+                                    <p:set>
+                                      <p:cBhvr>
+                                        <p:cTn id="23" dur="1" fill="hold">
+                                          <p:stCondLst>
+                                            <p:cond delay="0"/>
+                                          </p:stCondLst>
+                                        </p:cTn>
+                                        <p:tgtEl>
+                                          <p:spTgt spid="7">
+                                            <p:txEl>
+                                              <p:pRg st="4" end="4"/>
+                                            </p:txEl>
+                                          </p:spTgt>
+                                        </p:tgtEl>
+                                        <p:attrNameLst>
+                                          <p:attrName>style.visibility</p:attrName>
+                                        </p:attrNameLst>
+                                      </p:cBhvr>
+                                      <p:to>
+                                        <p:strVal val="visible"/>
+                                      </p:to>
+                                    </p:set>
+                                    <p:animEffect transition="in" filter="barn(inVertical)">
+                                      <p:cBhvr>
+                                        <p:cTn id="24" dur="500"/>
+                                        <p:tgtEl>
+                                          <p:spTgt spid="7">
+                                            <p:txEl>
+                                              <p:pRg st="4" end="4"/>
+                                            </p:txEl>
+                                          </p:spTgt>
+                                        </p:tgtEl>
+                                      </p:cBhvr>
+                                    </p:animEffect>
+                                  </p:childTnLst>
+                                </p:cTn>
+                              </p:par>
+                              <p:par>
+                                <p:cTn id="25" presetID="16" presetClass="entr" presetSubtype="21" fill="hold" nodeType="withEffect">
+                                  <p:stCondLst>
+                                    <p:cond delay="0"/>
+                                  </p:stCondLst>
+                                  <p:childTnLst>
+                                    <p:set>
+                                      <p:cBhvr>
                                         <p:cTn id="26" dur="1" fill="hold">
                                           <p:stCondLst>
                                             <p:cond delay="0"/>
@@ -4188,7 +4230,7 @@
                                         <p:tgtEl>
                                           <p:spTgt spid="7">
                                             <p:txEl>
-                                              <p:pRg st="3" end="3"/>
+                                              <p:pRg st="5" end="5"/>
                                             </p:txEl>
                                           </p:spTgt>
                                         </p:tgtEl>
@@ -4200,72 +4242,147 @@
                                         <p:strVal val="visible"/>
                                       </p:to>
                                     </p:set>
-                                    <p:animEffect transition="in" filter="fade">
-                                      <p:cBhvr>
-                                        <p:cTn id="27" dur="1000"/>
+                                    <p:animEffect transition="in" filter="barn(inVertical)">
+                                      <p:cBhvr>
+                                        <p:cTn id="27" dur="500"/>
                                         <p:tgtEl>
                                           <p:spTgt spid="7">
                                             <p:txEl>
-                                              <p:pRg st="3" end="3"/>
+                                              <p:pRg st="5" end="5"/>
                                             </p:txEl>
                                           </p:spTgt>
                                         </p:tgtEl>
                                       </p:cBhvr>
                                     </p:animEffect>
-                                    <p:anim calcmode="lin" valueType="num">
-                                      <p:cBhvr>
-                                        <p:cTn id="28" dur="1000" fill="hold"/>
+                                  </p:childTnLst>
+                                </p:cTn>
+                              </p:par>
+                              <p:par>
+                                <p:cTn id="28" presetID="16" presetClass="entr" presetSubtype="21" fill="hold" nodeType="withEffect">
+                                  <p:stCondLst>
+                                    <p:cond delay="0"/>
+                                  </p:stCondLst>
+                                  <p:childTnLst>
+                                    <p:set>
+                                      <p:cBhvr>
+                                        <p:cTn id="29" dur="1" fill="hold">
+                                          <p:stCondLst>
+                                            <p:cond delay="0"/>
+                                          </p:stCondLst>
+                                        </p:cTn>
                                         <p:tgtEl>
                                           <p:spTgt spid="7">
                                             <p:txEl>
-                                              <p:pRg st="3" end="3"/>
+                                              <p:pRg st="6" end="6"/>
                                             </p:txEl>
                                           </p:spTgt>
                                         </p:tgtEl>
                                         <p:attrNameLst>
-                                          <p:attrName>ppt_x</p:attrName>
+                                          <p:attrName>style.visibility</p:attrName>
                                         </p:attrNameLst>
                                       </p:cBhvr>
-                                      <p:tavLst>
-                                        <p:tav tm="0">
-                                          <p:val>
-                                            <p:strVal val="#ppt_x"/>
-                                          </p:val>
-                                        </p:tav>
-                                        <p:tav tm="100000">
-                                          <p:val>
-                                            <p:strVal val="#ppt_x"/>
-                                          </p:val>
-                                        </p:tav>
-                                      </p:tavLst>
-                                    </p:anim>
-                                    <p:anim calcmode="lin" valueType="num">
-                                      <p:cBhvr>
-                                        <p:cTn id="29" dur="1000" fill="hold"/>
+                                      <p:to>
+                                        <p:strVal val="visible"/>
+                                      </p:to>
+                                    </p:set>
+                                    <p:animEffect transition="in" filter="barn(inVertical)">
+                                      <p:cBhvr>
+                                        <p:cTn id="30" dur="500"/>
                                         <p:tgtEl>
                                           <p:spTgt spid="7">
                                             <p:txEl>
-                                              <p:pRg st="3" end="3"/>
+                                              <p:pRg st="6" end="6"/>
+                                            </p:txEl>
+                                          </p:spTgt>
+                                        </p:tgtEl>
+                                      </p:cBhvr>
+                                    </p:animEffect>
+                                  </p:childTnLst>
+                                </p:cTn>
+                              </p:par>
+                              <p:par>
+                                <p:cTn id="31" presetID="16" presetClass="entr" presetSubtype="21" fill="hold" nodeType="withEffect">
+                                  <p:stCondLst>
+                                    <p:cond delay="0"/>
+                                  </p:stCondLst>
+                                  <p:childTnLst>
+                                    <p:set>
+                                      <p:cBhvr>
+                                        <p:cTn id="32" dur="1" fill="hold">
+                                          <p:stCondLst>
+                                            <p:cond delay="0"/>
+                                          </p:stCondLst>
+                                        </p:cTn>
+                                        <p:tgtEl>
+                                          <p:spTgt spid="7">
+                                            <p:txEl>
+                                              <p:pRg st="7" end="7"/>
                                             </p:txEl>
                                           </p:spTgt>
                                         </p:tgtEl>
                                         <p:attrNameLst>
-                                          <p:attrName>ppt_y</p:attrName>
+                                          <p:attrName>style.visibility</p:attrName>
                                         </p:attrNameLst>
                                       </p:cBhvr>
-                                      <p:tavLst>
-                                        <p:tav tm="0">
-                                          <p:val>
-                                            <p:strVal val="#ppt_y+.1"/>
-                                          </p:val>
-                                        </p:tav>
-                                        <p:tav tm="100000">
-                                          <p:val>
-                                            <p:strVal val="#ppt_y"/>
-                                          </p:val>
-                                        </p:tav>
-                                      </p:tavLst>
-                                    </p:anim>
+                                      <p:to>
+                                        <p:strVal val="visible"/>
+                                      </p:to>
+                                    </p:set>
+                                    <p:animEffect transition="in" filter="barn(inVertical)">
+                                      <p:cBhvr>
+                                        <p:cTn id="33" dur="500"/>
+                                        <p:tgtEl>
+                                          <p:spTgt spid="7">
+                                            <p:txEl>
+                                              <p:pRg st="7" end="7"/>
+                                            </p:txEl>
+                                          </p:spTgt>
+                                        </p:tgtEl>
+                                      </p:cBhvr>
+                                    </p:animEffect>
+                                  </p:childTnLst>
+                                </p:cTn>
+                              </p:par>
+                              <p:par>
+                                <p:cTn id="34" presetID="16" presetClass="entr" presetSubtype="21" fill="hold" nodeType="withEffect">
+                                  <p:stCondLst>
+                                    <p:cond delay="0"/>
+                                  </p:stCondLst>
+                                  <p:childTnLst>
+                                    <p:set>
+                                      <p:cBhvr>
+                                        <p:cTn id="35" dur="1" fill="hold">
+                                          <p:stCondLst>
+                                            <p:cond delay="0"/>
+                                          </p:stCondLst>
+                                        </p:cTn>
+                                        <p:tgtEl>
+                                          <p:spTgt spid="7">
+                                            <p:txEl>
+                                              <p:pRg st="8" end="8"/>
+                                            </p:txEl>
+                                          </p:spTgt>
+                                        </p:tgtEl>
+                                        <p:attrNameLst>
+                                          <p:attrName>style.visibility</p:attrName>
+                                        </p:attrNameLst>
+                                      </p:cBhvr>
+                                      <p:to>
+                                        <p:strVal val="visible"/>
+                                      </p:to>
+                                    </p:set>
+                                    <p:animEffect transition="in" filter="barn(inVertical)">
+                                      <p:cBhvr>
+                                        <p:cTn id="36" dur="500"/>
+                                        <p:tgtEl>
+                                          <p:spTgt spid="7">
+                                            <p:txEl>
+                                              <p:pRg st="8" end="8"/>
+                                            </p:txEl>
+                                          </p:spTgt>
+                                        </p:tgtEl>
+                                      </p:cBhvr>
+                                    </p:animEffect>
                                   </p:childTnLst>
                                 </p:cTn>
                               </p:par>
@@ -4276,26 +4393,26 @@
                     </p:cTn>
                   </p:par>
                   <p:par>
-                    <p:cTn id="30" fill="hold">
+                    <p:cTn id="37" fill="hold">
                       <p:stCondLst>
                         <p:cond delay="indefinite"/>
                       </p:stCondLst>
                       <p:childTnLst>
                         <p:par>
-                          <p:cTn id="31" fill="hold">
+                          <p:cTn id="38" fill="hold">
                             <p:stCondLst>
                               <p:cond delay="0"/>
                             </p:stCondLst>
                             <p:childTnLst>
                               <p:par>
-                                <p:cTn id="32" presetID="31" presetClass="entr" presetSubtype="0" fill="hold" nodeType="clickEffect">
+                                <p:cTn id="39" presetID="53" presetClass="entr" presetSubtype="16" fill="hold" nodeType="clickEffect">
                                   <p:stCondLst>
                                     <p:cond delay="0"/>
                                   </p:stCondLst>
                                   <p:childTnLst>
                                     <p:set>
                                       <p:cBhvr>
-                                        <p:cTn id="33" dur="1" fill="hold">
+                                        <p:cTn id="40" dur="1" fill="hold">
                                           <p:stCondLst>
                                             <p:cond delay="0"/>
                                           </p:stCondLst>
@@ -4317,7 +4434,7 @@
                                     </p:set>
                                     <p:anim calcmode="lin" valueType="num">
                                       <p:cBhvr>
-                                        <p:cTn id="34" dur="500" fill="hold"/>
+                                        <p:cTn id="41" dur="500" fill="hold"/>
                                         <p:tgtEl>
                                           <p:spTgt spid="3">
                                             <p:txEl>
@@ -4344,11 +4461,981 @@
                                     </p:anim>
                                     <p:anim calcmode="lin" valueType="num">
                                       <p:cBhvr>
-                                        <p:cTn id="35" dur="500" fill="hold"/>
+                                        <p:cTn id="42" dur="500" fill="hold"/>
                                         <p:tgtEl>
                                           <p:spTgt spid="3">
                                             <p:txEl>
                                               <p:pRg st="1" end="1"/>
+                                            </p:txEl>
+                                          </p:spTgt>
+                                        </p:tgtEl>
+                                        <p:attrNameLst>
+                                          <p:attrName>ppt_h</p:attrName>
+                                        </p:attrNameLst>
+                                      </p:cBhvr>
+                                      <p:tavLst>
+                                        <p:tav tm="0">
+                                          <p:val>
+                                            <p:fltVal val="0"/>
+                                          </p:val>
+                                        </p:tav>
+                                        <p:tav tm="100000">
+                                          <p:val>
+                                            <p:strVal val="#ppt_h"/>
+                                          </p:val>
+                                        </p:tav>
+                                      </p:tavLst>
+                                    </p:anim>
+                                    <p:animEffect transition="in" filter="fade">
+                                      <p:cBhvr>
+                                        <p:cTn id="43" dur="500"/>
+                                        <p:tgtEl>
+                                          <p:spTgt spid="3">
+                                            <p:txEl>
+                                              <p:pRg st="1" end="1"/>
+                                            </p:txEl>
+                                          </p:spTgt>
+                                        </p:tgtEl>
+                                      </p:cBhvr>
+                                    </p:animEffect>
+                                  </p:childTnLst>
+                                </p:cTn>
+                              </p:par>
+                              <p:par>
+                                <p:cTn id="44" presetID="53" presetClass="entr" presetSubtype="16" fill="hold" nodeType="withEffect">
+                                  <p:stCondLst>
+                                    <p:cond delay="0"/>
+                                  </p:stCondLst>
+                                  <p:childTnLst>
+                                    <p:set>
+                                      <p:cBhvr>
+                                        <p:cTn id="45" dur="1" fill="hold">
+                                          <p:stCondLst>
+                                            <p:cond delay="0"/>
+                                          </p:stCondLst>
+                                        </p:cTn>
+                                        <p:tgtEl>
+                                          <p:spTgt spid="3">
+                                            <p:txEl>
+                                              <p:pRg st="2" end="2"/>
+                                            </p:txEl>
+                                          </p:spTgt>
+                                        </p:tgtEl>
+                                        <p:attrNameLst>
+                                          <p:attrName>style.visibility</p:attrName>
+                                        </p:attrNameLst>
+                                      </p:cBhvr>
+                                      <p:to>
+                                        <p:strVal val="visible"/>
+                                      </p:to>
+                                    </p:set>
+                                    <p:anim calcmode="lin" valueType="num">
+                                      <p:cBhvr>
+                                        <p:cTn id="46" dur="500" fill="hold"/>
+                                        <p:tgtEl>
+                                          <p:spTgt spid="3">
+                                            <p:txEl>
+                                              <p:pRg st="2" end="2"/>
+                                            </p:txEl>
+                                          </p:spTgt>
+                                        </p:tgtEl>
+                                        <p:attrNameLst>
+                                          <p:attrName>ppt_w</p:attrName>
+                                        </p:attrNameLst>
+                                      </p:cBhvr>
+                                      <p:tavLst>
+                                        <p:tav tm="0">
+                                          <p:val>
+                                            <p:fltVal val="0"/>
+                                          </p:val>
+                                        </p:tav>
+                                        <p:tav tm="100000">
+                                          <p:val>
+                                            <p:strVal val="#ppt_w"/>
+                                          </p:val>
+                                        </p:tav>
+                                      </p:tavLst>
+                                    </p:anim>
+                                    <p:anim calcmode="lin" valueType="num">
+                                      <p:cBhvr>
+                                        <p:cTn id="47" dur="500" fill="hold"/>
+                                        <p:tgtEl>
+                                          <p:spTgt spid="3">
+                                            <p:txEl>
+                                              <p:pRg st="2" end="2"/>
+                                            </p:txEl>
+                                          </p:spTgt>
+                                        </p:tgtEl>
+                                        <p:attrNameLst>
+                                          <p:attrName>ppt_h</p:attrName>
+                                        </p:attrNameLst>
+                                      </p:cBhvr>
+                                      <p:tavLst>
+                                        <p:tav tm="0">
+                                          <p:val>
+                                            <p:fltVal val="0"/>
+                                          </p:val>
+                                        </p:tav>
+                                        <p:tav tm="100000">
+                                          <p:val>
+                                            <p:strVal val="#ppt_h"/>
+                                          </p:val>
+                                        </p:tav>
+                                      </p:tavLst>
+                                    </p:anim>
+                                    <p:animEffect transition="in" filter="fade">
+                                      <p:cBhvr>
+                                        <p:cTn id="48" dur="500"/>
+                                        <p:tgtEl>
+                                          <p:spTgt spid="3">
+                                            <p:txEl>
+                                              <p:pRg st="2" end="2"/>
+                                            </p:txEl>
+                                          </p:spTgt>
+                                        </p:tgtEl>
+                                      </p:cBhvr>
+                                    </p:animEffect>
+                                  </p:childTnLst>
+                                </p:cTn>
+                              </p:par>
+                              <p:par>
+                                <p:cTn id="49" presetID="53" presetClass="entr" presetSubtype="16" fill="hold" nodeType="withEffect">
+                                  <p:stCondLst>
+                                    <p:cond delay="0"/>
+                                  </p:stCondLst>
+                                  <p:childTnLst>
+                                    <p:set>
+                                      <p:cBhvr>
+                                        <p:cTn id="50" dur="1" fill="hold">
+                                          <p:stCondLst>
+                                            <p:cond delay="0"/>
+                                          </p:stCondLst>
+                                        </p:cTn>
+                                        <p:tgtEl>
+                                          <p:spTgt spid="3">
+                                            <p:txEl>
+                                              <p:pRg st="3" end="3"/>
+                                            </p:txEl>
+                                          </p:spTgt>
+                                        </p:tgtEl>
+                                        <p:attrNameLst>
+                                          <p:attrName>style.visibility</p:attrName>
+                                        </p:attrNameLst>
+                                      </p:cBhvr>
+                                      <p:to>
+                                        <p:strVal val="visible"/>
+                                      </p:to>
+                                    </p:set>
+                                    <p:anim calcmode="lin" valueType="num">
+                                      <p:cBhvr>
+                                        <p:cTn id="51" dur="500" fill="hold"/>
+                                        <p:tgtEl>
+                                          <p:spTgt spid="3">
+                                            <p:txEl>
+                                              <p:pRg st="3" end="3"/>
+                                            </p:txEl>
+                                          </p:spTgt>
+                                        </p:tgtEl>
+                                        <p:attrNameLst>
+                                          <p:attrName>ppt_w</p:attrName>
+                                        </p:attrNameLst>
+                                      </p:cBhvr>
+                                      <p:tavLst>
+                                        <p:tav tm="0">
+                                          <p:val>
+                                            <p:fltVal val="0"/>
+                                          </p:val>
+                                        </p:tav>
+                                        <p:tav tm="100000">
+                                          <p:val>
+                                            <p:strVal val="#ppt_w"/>
+                                          </p:val>
+                                        </p:tav>
+                                      </p:tavLst>
+                                    </p:anim>
+                                    <p:anim calcmode="lin" valueType="num">
+                                      <p:cBhvr>
+                                        <p:cTn id="52" dur="500" fill="hold"/>
+                                        <p:tgtEl>
+                                          <p:spTgt spid="3">
+                                            <p:txEl>
+                                              <p:pRg st="3" end="3"/>
+                                            </p:txEl>
+                                          </p:spTgt>
+                                        </p:tgtEl>
+                                        <p:attrNameLst>
+                                          <p:attrName>ppt_h</p:attrName>
+                                        </p:attrNameLst>
+                                      </p:cBhvr>
+                                      <p:tavLst>
+                                        <p:tav tm="0">
+                                          <p:val>
+                                            <p:fltVal val="0"/>
+                                          </p:val>
+                                        </p:tav>
+                                        <p:tav tm="100000">
+                                          <p:val>
+                                            <p:strVal val="#ppt_h"/>
+                                          </p:val>
+                                        </p:tav>
+                                      </p:tavLst>
+                                    </p:anim>
+                                    <p:animEffect transition="in" filter="fade">
+                                      <p:cBhvr>
+                                        <p:cTn id="53" dur="500"/>
+                                        <p:tgtEl>
+                                          <p:spTgt spid="3">
+                                            <p:txEl>
+                                              <p:pRg st="3" end="3"/>
+                                            </p:txEl>
+                                          </p:spTgt>
+                                        </p:tgtEl>
+                                      </p:cBhvr>
+                                    </p:animEffect>
+                                  </p:childTnLst>
+                                </p:cTn>
+                              </p:par>
+                              <p:par>
+                                <p:cTn id="54" presetID="53" presetClass="entr" presetSubtype="16" fill="hold" nodeType="withEffect">
+                                  <p:stCondLst>
+                                    <p:cond delay="0"/>
+                                  </p:stCondLst>
+                                  <p:childTnLst>
+                                    <p:set>
+                                      <p:cBhvr>
+                                        <p:cTn id="55" dur="1" fill="hold">
+                                          <p:stCondLst>
+                                            <p:cond delay="0"/>
+                                          </p:stCondLst>
+                                        </p:cTn>
+                                        <p:tgtEl>
+                                          <p:spTgt spid="3">
+                                            <p:txEl>
+                                              <p:pRg st="4" end="4"/>
+                                            </p:txEl>
+                                          </p:spTgt>
+                                        </p:tgtEl>
+                                        <p:attrNameLst>
+                                          <p:attrName>style.visibility</p:attrName>
+                                        </p:attrNameLst>
+                                      </p:cBhvr>
+                                      <p:to>
+                                        <p:strVal val="visible"/>
+                                      </p:to>
+                                    </p:set>
+                                    <p:anim calcmode="lin" valueType="num">
+                                      <p:cBhvr>
+                                        <p:cTn id="56" dur="500" fill="hold"/>
+                                        <p:tgtEl>
+                                          <p:spTgt spid="3">
+                                            <p:txEl>
+                                              <p:pRg st="4" end="4"/>
+                                            </p:txEl>
+                                          </p:spTgt>
+                                        </p:tgtEl>
+                                        <p:attrNameLst>
+                                          <p:attrName>ppt_w</p:attrName>
+                                        </p:attrNameLst>
+                                      </p:cBhvr>
+                                      <p:tavLst>
+                                        <p:tav tm="0">
+                                          <p:val>
+                                            <p:fltVal val="0"/>
+                                          </p:val>
+                                        </p:tav>
+                                        <p:tav tm="100000">
+                                          <p:val>
+                                            <p:strVal val="#ppt_w"/>
+                                          </p:val>
+                                        </p:tav>
+                                      </p:tavLst>
+                                    </p:anim>
+                                    <p:anim calcmode="lin" valueType="num">
+                                      <p:cBhvr>
+                                        <p:cTn id="57" dur="500" fill="hold"/>
+                                        <p:tgtEl>
+                                          <p:spTgt spid="3">
+                                            <p:txEl>
+                                              <p:pRg st="4" end="4"/>
+                                            </p:txEl>
+                                          </p:spTgt>
+                                        </p:tgtEl>
+                                        <p:attrNameLst>
+                                          <p:attrName>ppt_h</p:attrName>
+                                        </p:attrNameLst>
+                                      </p:cBhvr>
+                                      <p:tavLst>
+                                        <p:tav tm="0">
+                                          <p:val>
+                                            <p:fltVal val="0"/>
+                                          </p:val>
+                                        </p:tav>
+                                        <p:tav tm="100000">
+                                          <p:val>
+                                            <p:strVal val="#ppt_h"/>
+                                          </p:val>
+                                        </p:tav>
+                                      </p:tavLst>
+                                    </p:anim>
+                                    <p:animEffect transition="in" filter="fade">
+                                      <p:cBhvr>
+                                        <p:cTn id="58" dur="500"/>
+                                        <p:tgtEl>
+                                          <p:spTgt spid="3">
+                                            <p:txEl>
+                                              <p:pRg st="4" end="4"/>
+                                            </p:txEl>
+                                          </p:spTgt>
+                                        </p:tgtEl>
+                                      </p:cBhvr>
+                                    </p:animEffect>
+                                  </p:childTnLst>
+                                </p:cTn>
+                              </p:par>
+                              <p:par>
+                                <p:cTn id="59" presetID="53" presetClass="entr" presetSubtype="16" fill="hold" nodeType="withEffect">
+                                  <p:stCondLst>
+                                    <p:cond delay="0"/>
+                                  </p:stCondLst>
+                                  <p:childTnLst>
+                                    <p:set>
+                                      <p:cBhvr>
+                                        <p:cTn id="60" dur="1" fill="hold">
+                                          <p:stCondLst>
+                                            <p:cond delay="0"/>
+                                          </p:stCondLst>
+                                        </p:cTn>
+                                        <p:tgtEl>
+                                          <p:spTgt spid="3">
+                                            <p:txEl>
+                                              <p:pRg st="5" end="5"/>
+                                            </p:txEl>
+                                          </p:spTgt>
+                                        </p:tgtEl>
+                                        <p:attrNameLst>
+                                          <p:attrName>style.visibility</p:attrName>
+                                        </p:attrNameLst>
+                                      </p:cBhvr>
+                                      <p:to>
+                                        <p:strVal val="visible"/>
+                                      </p:to>
+                                    </p:set>
+                                    <p:anim calcmode="lin" valueType="num">
+                                      <p:cBhvr>
+                                        <p:cTn id="61" dur="500" fill="hold"/>
+                                        <p:tgtEl>
+                                          <p:spTgt spid="3">
+                                            <p:txEl>
+                                              <p:pRg st="5" end="5"/>
+                                            </p:txEl>
+                                          </p:spTgt>
+                                        </p:tgtEl>
+                                        <p:attrNameLst>
+                                          <p:attrName>ppt_w</p:attrName>
+                                        </p:attrNameLst>
+                                      </p:cBhvr>
+                                      <p:tavLst>
+                                        <p:tav tm="0">
+                                          <p:val>
+                                            <p:fltVal val="0"/>
+                                          </p:val>
+                                        </p:tav>
+                                        <p:tav tm="100000">
+                                          <p:val>
+                                            <p:strVal val="#ppt_w"/>
+                                          </p:val>
+                                        </p:tav>
+                                      </p:tavLst>
+                                    </p:anim>
+                                    <p:anim calcmode="lin" valueType="num">
+                                      <p:cBhvr>
+                                        <p:cTn id="62" dur="500" fill="hold"/>
+                                        <p:tgtEl>
+                                          <p:spTgt spid="3">
+                                            <p:txEl>
+                                              <p:pRg st="5" end="5"/>
+                                            </p:txEl>
+                                          </p:spTgt>
+                                        </p:tgtEl>
+                                        <p:attrNameLst>
+                                          <p:attrName>ppt_h</p:attrName>
+                                        </p:attrNameLst>
+                                      </p:cBhvr>
+                                      <p:tavLst>
+                                        <p:tav tm="0">
+                                          <p:val>
+                                            <p:fltVal val="0"/>
+                                          </p:val>
+                                        </p:tav>
+                                        <p:tav tm="100000">
+                                          <p:val>
+                                            <p:strVal val="#ppt_h"/>
+                                          </p:val>
+                                        </p:tav>
+                                      </p:tavLst>
+                                    </p:anim>
+                                    <p:animEffect transition="in" filter="fade">
+                                      <p:cBhvr>
+                                        <p:cTn id="63" dur="500"/>
+                                        <p:tgtEl>
+                                          <p:spTgt spid="3">
+                                            <p:txEl>
+                                              <p:pRg st="5" end="5"/>
+                                            </p:txEl>
+                                          </p:spTgt>
+                                        </p:tgtEl>
+                                      </p:cBhvr>
+                                    </p:animEffect>
+                                  </p:childTnLst>
+                                </p:cTn>
+                              </p:par>
+                              <p:par>
+                                <p:cTn id="64" presetID="53" presetClass="entr" presetSubtype="16" fill="hold" nodeType="withEffect">
+                                  <p:stCondLst>
+                                    <p:cond delay="0"/>
+                                  </p:stCondLst>
+                                  <p:childTnLst>
+                                    <p:set>
+                                      <p:cBhvr>
+                                        <p:cTn id="65" dur="1" fill="hold">
+                                          <p:stCondLst>
+                                            <p:cond delay="0"/>
+                                          </p:stCondLst>
+                                        </p:cTn>
+                                        <p:tgtEl>
+                                          <p:spTgt spid="3">
+                                            <p:txEl>
+                                              <p:pRg st="6" end="6"/>
+                                            </p:txEl>
+                                          </p:spTgt>
+                                        </p:tgtEl>
+                                        <p:attrNameLst>
+                                          <p:attrName>style.visibility</p:attrName>
+                                        </p:attrNameLst>
+                                      </p:cBhvr>
+                                      <p:to>
+                                        <p:strVal val="visible"/>
+                                      </p:to>
+                                    </p:set>
+                                    <p:anim calcmode="lin" valueType="num">
+                                      <p:cBhvr>
+                                        <p:cTn id="66" dur="500" fill="hold"/>
+                                        <p:tgtEl>
+                                          <p:spTgt spid="3">
+                                            <p:txEl>
+                                              <p:pRg st="6" end="6"/>
+                                            </p:txEl>
+                                          </p:spTgt>
+                                        </p:tgtEl>
+                                        <p:attrNameLst>
+                                          <p:attrName>ppt_w</p:attrName>
+                                        </p:attrNameLst>
+                                      </p:cBhvr>
+                                      <p:tavLst>
+                                        <p:tav tm="0">
+                                          <p:val>
+                                            <p:fltVal val="0"/>
+                                          </p:val>
+                                        </p:tav>
+                                        <p:tav tm="100000">
+                                          <p:val>
+                                            <p:strVal val="#ppt_w"/>
+                                          </p:val>
+                                        </p:tav>
+                                      </p:tavLst>
+                                    </p:anim>
+                                    <p:anim calcmode="lin" valueType="num">
+                                      <p:cBhvr>
+                                        <p:cTn id="67" dur="500" fill="hold"/>
+                                        <p:tgtEl>
+                                          <p:spTgt spid="3">
+                                            <p:txEl>
+                                              <p:pRg st="6" end="6"/>
+                                            </p:txEl>
+                                          </p:spTgt>
+                                        </p:tgtEl>
+                                        <p:attrNameLst>
+                                          <p:attrName>ppt_h</p:attrName>
+                                        </p:attrNameLst>
+                                      </p:cBhvr>
+                                      <p:tavLst>
+                                        <p:tav tm="0">
+                                          <p:val>
+                                            <p:fltVal val="0"/>
+                                          </p:val>
+                                        </p:tav>
+                                        <p:tav tm="100000">
+                                          <p:val>
+                                            <p:strVal val="#ppt_h"/>
+                                          </p:val>
+                                        </p:tav>
+                                      </p:tavLst>
+                                    </p:anim>
+                                    <p:animEffect transition="in" filter="fade">
+                                      <p:cBhvr>
+                                        <p:cTn id="68" dur="500"/>
+                                        <p:tgtEl>
+                                          <p:spTgt spid="3">
+                                            <p:txEl>
+                                              <p:pRg st="6" end="6"/>
+                                            </p:txEl>
+                                          </p:spTgt>
+                                        </p:tgtEl>
+                                      </p:cBhvr>
+                                    </p:animEffect>
+                                  </p:childTnLst>
+                                </p:cTn>
+                              </p:par>
+                              <p:par>
+                                <p:cTn id="69" presetID="53" presetClass="entr" presetSubtype="16" fill="hold" nodeType="withEffect">
+                                  <p:stCondLst>
+                                    <p:cond delay="0"/>
+                                  </p:stCondLst>
+                                  <p:childTnLst>
+                                    <p:set>
+                                      <p:cBhvr>
+                                        <p:cTn id="70" dur="1" fill="hold">
+                                          <p:stCondLst>
+                                            <p:cond delay="0"/>
+                                          </p:stCondLst>
+                                        </p:cTn>
+                                        <p:tgtEl>
+                                          <p:spTgt spid="3">
+                                            <p:txEl>
+                                              <p:pRg st="7" end="7"/>
+                                            </p:txEl>
+                                          </p:spTgt>
+                                        </p:tgtEl>
+                                        <p:attrNameLst>
+                                          <p:attrName>style.visibility</p:attrName>
+                                        </p:attrNameLst>
+                                      </p:cBhvr>
+                                      <p:to>
+                                        <p:strVal val="visible"/>
+                                      </p:to>
+                                    </p:set>
+                                    <p:anim calcmode="lin" valueType="num">
+                                      <p:cBhvr>
+                                        <p:cTn id="71" dur="500" fill="hold"/>
+                                        <p:tgtEl>
+                                          <p:spTgt spid="3">
+                                            <p:txEl>
+                                              <p:pRg st="7" end="7"/>
+                                            </p:txEl>
+                                          </p:spTgt>
+                                        </p:tgtEl>
+                                        <p:attrNameLst>
+                                          <p:attrName>ppt_w</p:attrName>
+                                        </p:attrNameLst>
+                                      </p:cBhvr>
+                                      <p:tavLst>
+                                        <p:tav tm="0">
+                                          <p:val>
+                                            <p:fltVal val="0"/>
+                                          </p:val>
+                                        </p:tav>
+                                        <p:tav tm="100000">
+                                          <p:val>
+                                            <p:strVal val="#ppt_w"/>
+                                          </p:val>
+                                        </p:tav>
+                                      </p:tavLst>
+                                    </p:anim>
+                                    <p:anim calcmode="lin" valueType="num">
+                                      <p:cBhvr>
+                                        <p:cTn id="72" dur="500" fill="hold"/>
+                                        <p:tgtEl>
+                                          <p:spTgt spid="3">
+                                            <p:txEl>
+                                              <p:pRg st="7" end="7"/>
+                                            </p:txEl>
+                                          </p:spTgt>
+                                        </p:tgtEl>
+                                        <p:attrNameLst>
+                                          <p:attrName>ppt_h</p:attrName>
+                                        </p:attrNameLst>
+                                      </p:cBhvr>
+                                      <p:tavLst>
+                                        <p:tav tm="0">
+                                          <p:val>
+                                            <p:fltVal val="0"/>
+                                          </p:val>
+                                        </p:tav>
+                                        <p:tav tm="100000">
+                                          <p:val>
+                                            <p:strVal val="#ppt_h"/>
+                                          </p:val>
+                                        </p:tav>
+                                      </p:tavLst>
+                                    </p:anim>
+                                    <p:animEffect transition="in" filter="fade">
+                                      <p:cBhvr>
+                                        <p:cTn id="73" dur="500"/>
+                                        <p:tgtEl>
+                                          <p:spTgt spid="3">
+                                            <p:txEl>
+                                              <p:pRg st="7" end="7"/>
+                                            </p:txEl>
+                                          </p:spTgt>
+                                        </p:tgtEl>
+                                      </p:cBhvr>
+                                    </p:animEffect>
+                                  </p:childTnLst>
+                                </p:cTn>
+                              </p:par>
+                              <p:par>
+                                <p:cTn id="74" presetID="53" presetClass="entr" presetSubtype="16" fill="hold" nodeType="withEffect">
+                                  <p:stCondLst>
+                                    <p:cond delay="0"/>
+                                  </p:stCondLst>
+                                  <p:childTnLst>
+                                    <p:set>
+                                      <p:cBhvr>
+                                        <p:cTn id="75" dur="1" fill="hold">
+                                          <p:stCondLst>
+                                            <p:cond delay="0"/>
+                                          </p:stCondLst>
+                                        </p:cTn>
+                                        <p:tgtEl>
+                                          <p:spTgt spid="3">
+                                            <p:txEl>
+                                              <p:pRg st="8" end="8"/>
+                                            </p:txEl>
+                                          </p:spTgt>
+                                        </p:tgtEl>
+                                        <p:attrNameLst>
+                                          <p:attrName>style.visibility</p:attrName>
+                                        </p:attrNameLst>
+                                      </p:cBhvr>
+                                      <p:to>
+                                        <p:strVal val="visible"/>
+                                      </p:to>
+                                    </p:set>
+                                    <p:anim calcmode="lin" valueType="num">
+                                      <p:cBhvr>
+                                        <p:cTn id="76" dur="500" fill="hold"/>
+                                        <p:tgtEl>
+                                          <p:spTgt spid="3">
+                                            <p:txEl>
+                                              <p:pRg st="8" end="8"/>
+                                            </p:txEl>
+                                          </p:spTgt>
+                                        </p:tgtEl>
+                                        <p:attrNameLst>
+                                          <p:attrName>ppt_w</p:attrName>
+                                        </p:attrNameLst>
+                                      </p:cBhvr>
+                                      <p:tavLst>
+                                        <p:tav tm="0">
+                                          <p:val>
+                                            <p:fltVal val="0"/>
+                                          </p:val>
+                                        </p:tav>
+                                        <p:tav tm="100000">
+                                          <p:val>
+                                            <p:strVal val="#ppt_w"/>
+                                          </p:val>
+                                        </p:tav>
+                                      </p:tavLst>
+                                    </p:anim>
+                                    <p:anim calcmode="lin" valueType="num">
+                                      <p:cBhvr>
+                                        <p:cTn id="77" dur="500" fill="hold"/>
+                                        <p:tgtEl>
+                                          <p:spTgt spid="3">
+                                            <p:txEl>
+                                              <p:pRg st="8" end="8"/>
+                                            </p:txEl>
+                                          </p:spTgt>
+                                        </p:tgtEl>
+                                        <p:attrNameLst>
+                                          <p:attrName>ppt_h</p:attrName>
+                                        </p:attrNameLst>
+                                      </p:cBhvr>
+                                      <p:tavLst>
+                                        <p:tav tm="0">
+                                          <p:val>
+                                            <p:fltVal val="0"/>
+                                          </p:val>
+                                        </p:tav>
+                                        <p:tav tm="100000">
+                                          <p:val>
+                                            <p:strVal val="#ppt_h"/>
+                                          </p:val>
+                                        </p:tav>
+                                      </p:tavLst>
+                                    </p:anim>
+                                    <p:animEffect transition="in" filter="fade">
+                                      <p:cBhvr>
+                                        <p:cTn id="78" dur="500"/>
+                                        <p:tgtEl>
+                                          <p:spTgt spid="3">
+                                            <p:txEl>
+                                              <p:pRg st="8" end="8"/>
+                                            </p:txEl>
+                                          </p:spTgt>
+                                        </p:tgtEl>
+                                      </p:cBhvr>
+                                    </p:animEffect>
+                                  </p:childTnLst>
+                                </p:cTn>
+                              </p:par>
+                              <p:par>
+                                <p:cTn id="79" presetID="53" presetClass="entr" presetSubtype="16" fill="hold" nodeType="withEffect">
+                                  <p:stCondLst>
+                                    <p:cond delay="0"/>
+                                  </p:stCondLst>
+                                  <p:childTnLst>
+                                    <p:set>
+                                      <p:cBhvr>
+                                        <p:cTn id="80" dur="1" fill="hold">
+                                          <p:stCondLst>
+                                            <p:cond delay="0"/>
+                                          </p:stCondLst>
+                                        </p:cTn>
+                                        <p:tgtEl>
+                                          <p:spTgt spid="3">
+                                            <p:txEl>
+                                              <p:pRg st="9" end="9"/>
+                                            </p:txEl>
+                                          </p:spTgt>
+                                        </p:tgtEl>
+                                        <p:attrNameLst>
+                                          <p:attrName>style.visibility</p:attrName>
+                                        </p:attrNameLst>
+                                      </p:cBhvr>
+                                      <p:to>
+                                        <p:strVal val="visible"/>
+                                      </p:to>
+                                    </p:set>
+                                    <p:anim calcmode="lin" valueType="num">
+                                      <p:cBhvr>
+                                        <p:cTn id="81" dur="500" fill="hold"/>
+                                        <p:tgtEl>
+                                          <p:spTgt spid="3">
+                                            <p:txEl>
+                                              <p:pRg st="9" end="9"/>
+                                            </p:txEl>
+                                          </p:spTgt>
+                                        </p:tgtEl>
+                                        <p:attrNameLst>
+                                          <p:attrName>ppt_w</p:attrName>
+                                        </p:attrNameLst>
+                                      </p:cBhvr>
+                                      <p:tavLst>
+                                        <p:tav tm="0">
+                                          <p:val>
+                                            <p:fltVal val="0"/>
+                                          </p:val>
+                                        </p:tav>
+                                        <p:tav tm="100000">
+                                          <p:val>
+                                            <p:strVal val="#ppt_w"/>
+                                          </p:val>
+                                        </p:tav>
+                                      </p:tavLst>
+                                    </p:anim>
+                                    <p:anim calcmode="lin" valueType="num">
+                                      <p:cBhvr>
+                                        <p:cTn id="82" dur="500" fill="hold"/>
+                                        <p:tgtEl>
+                                          <p:spTgt spid="3">
+                                            <p:txEl>
+                                              <p:pRg st="9" end="9"/>
+                                            </p:txEl>
+                                          </p:spTgt>
+                                        </p:tgtEl>
+                                        <p:attrNameLst>
+                                          <p:attrName>ppt_h</p:attrName>
+                                        </p:attrNameLst>
+                                      </p:cBhvr>
+                                      <p:tavLst>
+                                        <p:tav tm="0">
+                                          <p:val>
+                                            <p:fltVal val="0"/>
+                                          </p:val>
+                                        </p:tav>
+                                        <p:tav tm="100000">
+                                          <p:val>
+                                            <p:strVal val="#ppt_h"/>
+                                          </p:val>
+                                        </p:tav>
+                                      </p:tavLst>
+                                    </p:anim>
+                                    <p:animEffect transition="in" filter="fade">
+                                      <p:cBhvr>
+                                        <p:cTn id="83" dur="500"/>
+                                        <p:tgtEl>
+                                          <p:spTgt spid="3">
+                                            <p:txEl>
+                                              <p:pRg st="9" end="9"/>
+                                            </p:txEl>
+                                          </p:spTgt>
+                                        </p:tgtEl>
+                                      </p:cBhvr>
+                                    </p:animEffect>
+                                  </p:childTnLst>
+                                </p:cTn>
+                              </p:par>
+                              <p:par>
+                                <p:cTn id="84" presetID="53" presetClass="entr" presetSubtype="16" fill="hold" nodeType="withEffect">
+                                  <p:stCondLst>
+                                    <p:cond delay="0"/>
+                                  </p:stCondLst>
+                                  <p:childTnLst>
+                                    <p:set>
+                                      <p:cBhvr>
+                                        <p:cTn id="85" dur="1" fill="hold">
+                                          <p:stCondLst>
+                                            <p:cond delay="0"/>
+                                          </p:stCondLst>
+                                        </p:cTn>
+                                        <p:tgtEl>
+                                          <p:spTgt spid="3">
+                                            <p:txEl>
+                                              <p:pRg st="10" end="10"/>
+                                            </p:txEl>
+                                          </p:spTgt>
+                                        </p:tgtEl>
+                                        <p:attrNameLst>
+                                          <p:attrName>style.visibility</p:attrName>
+                                        </p:attrNameLst>
+                                      </p:cBhvr>
+                                      <p:to>
+                                        <p:strVal val="visible"/>
+                                      </p:to>
+                                    </p:set>
+                                    <p:anim calcmode="lin" valueType="num">
+                                      <p:cBhvr>
+                                        <p:cTn id="86" dur="500" fill="hold"/>
+                                        <p:tgtEl>
+                                          <p:spTgt spid="3">
+                                            <p:txEl>
+                                              <p:pRg st="10" end="10"/>
+                                            </p:txEl>
+                                          </p:spTgt>
+                                        </p:tgtEl>
+                                        <p:attrNameLst>
+                                          <p:attrName>ppt_w</p:attrName>
+                                        </p:attrNameLst>
+                                      </p:cBhvr>
+                                      <p:tavLst>
+                                        <p:tav tm="0">
+                                          <p:val>
+                                            <p:fltVal val="0"/>
+                                          </p:val>
+                                        </p:tav>
+                                        <p:tav tm="100000">
+                                          <p:val>
+                                            <p:strVal val="#ppt_w"/>
+                                          </p:val>
+                                        </p:tav>
+                                      </p:tavLst>
+                                    </p:anim>
+                                    <p:anim calcmode="lin" valueType="num">
+                                      <p:cBhvr>
+                                        <p:cTn id="87" dur="500" fill="hold"/>
+                                        <p:tgtEl>
+                                          <p:spTgt spid="3">
+                                            <p:txEl>
+                                              <p:pRg st="10" end="10"/>
+                                            </p:txEl>
+                                          </p:spTgt>
+                                        </p:tgtEl>
+                                        <p:attrNameLst>
+                                          <p:attrName>ppt_h</p:attrName>
+                                        </p:attrNameLst>
+                                      </p:cBhvr>
+                                      <p:tavLst>
+                                        <p:tav tm="0">
+                                          <p:val>
+                                            <p:fltVal val="0"/>
+                                          </p:val>
+                                        </p:tav>
+                                        <p:tav tm="100000">
+                                          <p:val>
+                                            <p:strVal val="#ppt_h"/>
+                                          </p:val>
+                                        </p:tav>
+                                      </p:tavLst>
+                                    </p:anim>
+                                    <p:animEffect transition="in" filter="fade">
+                                      <p:cBhvr>
+                                        <p:cTn id="88" dur="500"/>
+                                        <p:tgtEl>
+                                          <p:spTgt spid="3">
+                                            <p:txEl>
+                                              <p:pRg st="10" end="10"/>
+                                            </p:txEl>
+                                          </p:spTgt>
+                                        </p:tgtEl>
+                                      </p:cBhvr>
+                                    </p:animEffect>
+                                  </p:childTnLst>
+                                </p:cTn>
+                              </p:par>
+                              <p:par>
+                                <p:cTn id="89" presetID="31" presetClass="entr" presetSubtype="0" fill="hold" nodeType="withEffect">
+                                  <p:stCondLst>
+                                    <p:cond delay="0"/>
+                                  </p:stCondLst>
+                                  <p:childTnLst>
+                                    <p:set>
+                                      <p:cBhvr>
+                                        <p:cTn id="90" dur="1" fill="hold">
+                                          <p:stCondLst>
+                                            <p:cond delay="0"/>
+                                          </p:stCondLst>
+                                        </p:cTn>
+                                        <p:tgtEl>
+                                          <p:spTgt spid="3">
+                                            <p:txEl>
+                                              <p:pRg st="11" end="11"/>
+                                            </p:txEl>
+                                          </p:spTgt>
+                                        </p:tgtEl>
+                                        <p:attrNameLst>
+                                          <p:attrName>style.visibility</p:attrName>
+                                        </p:attrNameLst>
+                                      </p:cBhvr>
+                                      <p:to>
+                                        <p:strVal val="visible"/>
+                                      </p:to>
+                                    </p:set>
+                                    <p:anim calcmode="lin" valueType="num">
+                                      <p:cBhvr>
+                                        <p:cTn id="91" dur="500" fill="hold"/>
+                                        <p:tgtEl>
+                                          <p:spTgt spid="3">
+                                            <p:txEl>
+                                              <p:pRg st="11" end="11"/>
+                                            </p:txEl>
+                                          </p:spTgt>
+                                        </p:tgtEl>
+                                        <p:attrNameLst>
+                                          <p:attrName>ppt_w</p:attrName>
+                                        </p:attrNameLst>
+                                      </p:cBhvr>
+                                      <p:tavLst>
+                                        <p:tav tm="0">
+                                          <p:val>
+                                            <p:fltVal val="0"/>
+                                          </p:val>
+                                        </p:tav>
+                                        <p:tav tm="100000">
+                                          <p:val>
+                                            <p:strVal val="#ppt_w"/>
+                                          </p:val>
+                                        </p:tav>
+                                      </p:tavLst>
+                                    </p:anim>
+                                    <p:anim calcmode="lin" valueType="num">
+                                      <p:cBhvr>
+                                        <p:cTn id="92" dur="500" fill="hold"/>
+                                        <p:tgtEl>
+                                          <p:spTgt spid="3">
+                                            <p:txEl>
+                                              <p:pRg st="11" end="11"/>
                                             </p:txEl>
                                           </p:spTgt>
                                         </p:tgtEl>
@@ -4371,11 +5458,11 @@
                                     </p:anim>
                                     <p:anim calcmode="lin" valueType="num">
                                       <p:cBhvr>
-                                        <p:cTn id="36" dur="500" fill="hold"/>
+                                        <p:cTn id="93" dur="500" fill="hold"/>
                                         <p:tgtEl>
                                           <p:spTgt spid="3">
                                             <p:txEl>
-                                              <p:pRg st="1" end="1"/>
+                                              <p:pRg st="11" end="11"/>
                                             </p:txEl>
                                           </p:spTgt>
                                         </p:tgtEl>
@@ -4398,1003 +5485,11 @@
                                     </p:anim>
                                     <p:animEffect transition="in" filter="fade">
                                       <p:cBhvr>
-                                        <p:cTn id="37" dur="500"/>
+                                        <p:cTn id="94" dur="500"/>
                                         <p:tgtEl>
                                           <p:spTgt spid="3">
                                             <p:txEl>
-                                              <p:pRg st="1" end="1"/>
-                                            </p:txEl>
-                                          </p:spTgt>
-                                        </p:tgtEl>
-                                      </p:cBhvr>
-                                    </p:animEffect>
-                                  </p:childTnLst>
-                                </p:cTn>
-                              </p:par>
-                              <p:par>
-                                <p:cTn id="38" presetID="31" presetClass="entr" presetSubtype="0" fill="hold" nodeType="withEffect">
-                                  <p:stCondLst>
-                                    <p:cond delay="0"/>
-                                  </p:stCondLst>
-                                  <p:childTnLst>
-                                    <p:set>
-                                      <p:cBhvr>
-                                        <p:cTn id="39" dur="1" fill="hold">
-                                          <p:stCondLst>
-                                            <p:cond delay="0"/>
-                                          </p:stCondLst>
-                                        </p:cTn>
-                                        <p:tgtEl>
-                                          <p:spTgt spid="3">
-                                            <p:txEl>
-                                              <p:pRg st="2" end="2"/>
-                                            </p:txEl>
-                                          </p:spTgt>
-                                        </p:tgtEl>
-                                        <p:attrNameLst>
-                                          <p:attrName>style.visibility</p:attrName>
-                                        </p:attrNameLst>
-                                      </p:cBhvr>
-                                      <p:to>
-                                        <p:strVal val="visible"/>
-                                      </p:to>
-                                    </p:set>
-                                    <p:anim calcmode="lin" valueType="num">
-                                      <p:cBhvr>
-                                        <p:cTn id="40" dur="500" fill="hold"/>
-                                        <p:tgtEl>
-                                          <p:spTgt spid="3">
-                                            <p:txEl>
-                                              <p:pRg st="2" end="2"/>
-                                            </p:txEl>
-                                          </p:spTgt>
-                                        </p:tgtEl>
-                                        <p:attrNameLst>
-                                          <p:attrName>ppt_w</p:attrName>
-                                        </p:attrNameLst>
-                                      </p:cBhvr>
-                                      <p:tavLst>
-                                        <p:tav tm="0">
-                                          <p:val>
-                                            <p:fltVal val="0"/>
-                                          </p:val>
-                                        </p:tav>
-                                        <p:tav tm="100000">
-                                          <p:val>
-                                            <p:strVal val="#ppt_w"/>
-                                          </p:val>
-                                        </p:tav>
-                                      </p:tavLst>
-                                    </p:anim>
-                                    <p:anim calcmode="lin" valueType="num">
-                                      <p:cBhvr>
-                                        <p:cTn id="41" dur="500" fill="hold"/>
-                                        <p:tgtEl>
-                                          <p:spTgt spid="3">
-                                            <p:txEl>
-                                              <p:pRg st="2" end="2"/>
-                                            </p:txEl>
-                                          </p:spTgt>
-                                        </p:tgtEl>
-                                        <p:attrNameLst>
-                                          <p:attrName>ppt_h</p:attrName>
-                                        </p:attrNameLst>
-                                      </p:cBhvr>
-                                      <p:tavLst>
-                                        <p:tav tm="0">
-                                          <p:val>
-                                            <p:fltVal val="0"/>
-                                          </p:val>
-                                        </p:tav>
-                                        <p:tav tm="100000">
-                                          <p:val>
-                                            <p:strVal val="#ppt_h"/>
-                                          </p:val>
-                                        </p:tav>
-                                      </p:tavLst>
-                                    </p:anim>
-                                    <p:anim calcmode="lin" valueType="num">
-                                      <p:cBhvr>
-                                        <p:cTn id="42" dur="500" fill="hold"/>
-                                        <p:tgtEl>
-                                          <p:spTgt spid="3">
-                                            <p:txEl>
-                                              <p:pRg st="2" end="2"/>
-                                            </p:txEl>
-                                          </p:spTgt>
-                                        </p:tgtEl>
-                                        <p:attrNameLst>
-                                          <p:attrName>style.rotation</p:attrName>
-                                        </p:attrNameLst>
-                                      </p:cBhvr>
-                                      <p:tavLst>
-                                        <p:tav tm="0">
-                                          <p:val>
-                                            <p:fltVal val="90"/>
-                                          </p:val>
-                                        </p:tav>
-                                        <p:tav tm="100000">
-                                          <p:val>
-                                            <p:fltVal val="0"/>
-                                          </p:val>
-                                        </p:tav>
-                                      </p:tavLst>
-                                    </p:anim>
-                                    <p:animEffect transition="in" filter="fade">
-                                      <p:cBhvr>
-                                        <p:cTn id="43" dur="500"/>
-                                        <p:tgtEl>
-                                          <p:spTgt spid="3">
-                                            <p:txEl>
-                                              <p:pRg st="2" end="2"/>
-                                            </p:txEl>
-                                          </p:spTgt>
-                                        </p:tgtEl>
-                                      </p:cBhvr>
-                                    </p:animEffect>
-                                  </p:childTnLst>
-                                </p:cTn>
-                              </p:par>
-                              <p:par>
-                                <p:cTn id="44" presetID="31" presetClass="entr" presetSubtype="0" fill="hold" nodeType="withEffect">
-                                  <p:stCondLst>
-                                    <p:cond delay="0"/>
-                                  </p:stCondLst>
-                                  <p:childTnLst>
-                                    <p:set>
-                                      <p:cBhvr>
-                                        <p:cTn id="45" dur="1" fill="hold">
-                                          <p:stCondLst>
-                                            <p:cond delay="0"/>
-                                          </p:stCondLst>
-                                        </p:cTn>
-                                        <p:tgtEl>
-                                          <p:spTgt spid="3">
-                                            <p:txEl>
-                                              <p:pRg st="3" end="3"/>
-                                            </p:txEl>
-                                          </p:spTgt>
-                                        </p:tgtEl>
-                                        <p:attrNameLst>
-                                          <p:attrName>style.visibility</p:attrName>
-                                        </p:attrNameLst>
-                                      </p:cBhvr>
-                                      <p:to>
-                                        <p:strVal val="visible"/>
-                                      </p:to>
-                                    </p:set>
-                                    <p:anim calcmode="lin" valueType="num">
-                                      <p:cBhvr>
-                                        <p:cTn id="46" dur="500" fill="hold"/>
-                                        <p:tgtEl>
-                                          <p:spTgt spid="3">
-                                            <p:txEl>
-                                              <p:pRg st="3" end="3"/>
-                                            </p:txEl>
-                                          </p:spTgt>
-                                        </p:tgtEl>
-                                        <p:attrNameLst>
-                                          <p:attrName>ppt_w</p:attrName>
-                                        </p:attrNameLst>
-                                      </p:cBhvr>
-                                      <p:tavLst>
-                                        <p:tav tm="0">
-                                          <p:val>
-                                            <p:fltVal val="0"/>
-                                          </p:val>
-                                        </p:tav>
-                                        <p:tav tm="100000">
-                                          <p:val>
-                                            <p:strVal val="#ppt_w"/>
-                                          </p:val>
-                                        </p:tav>
-                                      </p:tavLst>
-                                    </p:anim>
-                                    <p:anim calcmode="lin" valueType="num">
-                                      <p:cBhvr>
-                                        <p:cTn id="47" dur="500" fill="hold"/>
-                                        <p:tgtEl>
-                                          <p:spTgt spid="3">
-                                            <p:txEl>
-                                              <p:pRg st="3" end="3"/>
-                                            </p:txEl>
-                                          </p:spTgt>
-                                        </p:tgtEl>
-                                        <p:attrNameLst>
-                                          <p:attrName>ppt_h</p:attrName>
-                                        </p:attrNameLst>
-                                      </p:cBhvr>
-                                      <p:tavLst>
-                                        <p:tav tm="0">
-                                          <p:val>
-                                            <p:fltVal val="0"/>
-                                          </p:val>
-                                        </p:tav>
-                                        <p:tav tm="100000">
-                                          <p:val>
-                                            <p:strVal val="#ppt_h"/>
-                                          </p:val>
-                                        </p:tav>
-                                      </p:tavLst>
-                                    </p:anim>
-                                    <p:anim calcmode="lin" valueType="num">
-                                      <p:cBhvr>
-                                        <p:cTn id="48" dur="500" fill="hold"/>
-                                        <p:tgtEl>
-                                          <p:spTgt spid="3">
-                                            <p:txEl>
-                                              <p:pRg st="3" end="3"/>
-                                            </p:txEl>
-                                          </p:spTgt>
-                                        </p:tgtEl>
-                                        <p:attrNameLst>
-                                          <p:attrName>style.rotation</p:attrName>
-                                        </p:attrNameLst>
-                                      </p:cBhvr>
-                                      <p:tavLst>
-                                        <p:tav tm="0">
-                                          <p:val>
-                                            <p:fltVal val="90"/>
-                                          </p:val>
-                                        </p:tav>
-                                        <p:tav tm="100000">
-                                          <p:val>
-                                            <p:fltVal val="0"/>
-                                          </p:val>
-                                        </p:tav>
-                                      </p:tavLst>
-                                    </p:anim>
-                                    <p:animEffect transition="in" filter="fade">
-                                      <p:cBhvr>
-                                        <p:cTn id="49" dur="500"/>
-                                        <p:tgtEl>
-                                          <p:spTgt spid="3">
-                                            <p:txEl>
-                                              <p:pRg st="3" end="3"/>
-                                            </p:txEl>
-                                          </p:spTgt>
-                                        </p:tgtEl>
-                                      </p:cBhvr>
-                                    </p:animEffect>
-                                  </p:childTnLst>
-                                </p:cTn>
-                              </p:par>
-                              <p:par>
-                                <p:cTn id="50" presetID="31" presetClass="entr" presetSubtype="0" fill="hold" nodeType="withEffect">
-                                  <p:stCondLst>
-                                    <p:cond delay="0"/>
-                                  </p:stCondLst>
-                                  <p:childTnLst>
-                                    <p:set>
-                                      <p:cBhvr>
-                                        <p:cTn id="51" dur="1" fill="hold">
-                                          <p:stCondLst>
-                                            <p:cond delay="0"/>
-                                          </p:stCondLst>
-                                        </p:cTn>
-                                        <p:tgtEl>
-                                          <p:spTgt spid="3">
-                                            <p:txEl>
-                                              <p:pRg st="4" end="4"/>
-                                            </p:txEl>
-                                          </p:spTgt>
-                                        </p:tgtEl>
-                                        <p:attrNameLst>
-                                          <p:attrName>style.visibility</p:attrName>
-                                        </p:attrNameLst>
-                                      </p:cBhvr>
-                                      <p:to>
-                                        <p:strVal val="visible"/>
-                                      </p:to>
-                                    </p:set>
-                                    <p:anim calcmode="lin" valueType="num">
-                                      <p:cBhvr>
-                                        <p:cTn id="52" dur="500" fill="hold"/>
-                                        <p:tgtEl>
-                                          <p:spTgt spid="3">
-                                            <p:txEl>
-                                              <p:pRg st="4" end="4"/>
-                                            </p:txEl>
-                                          </p:spTgt>
-                                        </p:tgtEl>
-                                        <p:attrNameLst>
-                                          <p:attrName>ppt_w</p:attrName>
-                                        </p:attrNameLst>
-                                      </p:cBhvr>
-                                      <p:tavLst>
-                                        <p:tav tm="0">
-                                          <p:val>
-                                            <p:fltVal val="0"/>
-                                          </p:val>
-                                        </p:tav>
-                                        <p:tav tm="100000">
-                                          <p:val>
-                                            <p:strVal val="#ppt_w"/>
-                                          </p:val>
-                                        </p:tav>
-                                      </p:tavLst>
-                                    </p:anim>
-                                    <p:anim calcmode="lin" valueType="num">
-                                      <p:cBhvr>
-                                        <p:cTn id="53" dur="500" fill="hold"/>
-                                        <p:tgtEl>
-                                          <p:spTgt spid="3">
-                                            <p:txEl>
-                                              <p:pRg st="4" end="4"/>
-                                            </p:txEl>
-                                          </p:spTgt>
-                                        </p:tgtEl>
-                                        <p:attrNameLst>
-                                          <p:attrName>ppt_h</p:attrName>
-                                        </p:attrNameLst>
-                                      </p:cBhvr>
-                                      <p:tavLst>
-                                        <p:tav tm="0">
-                                          <p:val>
-                                            <p:fltVal val="0"/>
-                                          </p:val>
-                                        </p:tav>
-                                        <p:tav tm="100000">
-                                          <p:val>
-                                            <p:strVal val="#ppt_h"/>
-                                          </p:val>
-                                        </p:tav>
-                                      </p:tavLst>
-                                    </p:anim>
-                                    <p:anim calcmode="lin" valueType="num">
-                                      <p:cBhvr>
-                                        <p:cTn id="54" dur="500" fill="hold"/>
-                                        <p:tgtEl>
-                                          <p:spTgt spid="3">
-                                            <p:txEl>
-                                              <p:pRg st="4" end="4"/>
-                                            </p:txEl>
-                                          </p:spTgt>
-                                        </p:tgtEl>
-                                        <p:attrNameLst>
-                                          <p:attrName>style.rotation</p:attrName>
-                                        </p:attrNameLst>
-                                      </p:cBhvr>
-                                      <p:tavLst>
-                                        <p:tav tm="0">
-                                          <p:val>
-                                            <p:fltVal val="90"/>
-                                          </p:val>
-                                        </p:tav>
-                                        <p:tav tm="100000">
-                                          <p:val>
-                                            <p:fltVal val="0"/>
-                                          </p:val>
-                                        </p:tav>
-                                      </p:tavLst>
-                                    </p:anim>
-                                    <p:animEffect transition="in" filter="fade">
-                                      <p:cBhvr>
-                                        <p:cTn id="55" dur="500"/>
-                                        <p:tgtEl>
-                                          <p:spTgt spid="3">
-                                            <p:txEl>
-                                              <p:pRg st="4" end="4"/>
-                                            </p:txEl>
-                                          </p:spTgt>
-                                        </p:tgtEl>
-                                      </p:cBhvr>
-                                    </p:animEffect>
-                                  </p:childTnLst>
-                                </p:cTn>
-                              </p:par>
-                              <p:par>
-                                <p:cTn id="56" presetID="31" presetClass="entr" presetSubtype="0" fill="hold" nodeType="withEffect">
-                                  <p:stCondLst>
-                                    <p:cond delay="0"/>
-                                  </p:stCondLst>
-                                  <p:childTnLst>
-                                    <p:set>
-                                      <p:cBhvr>
-                                        <p:cTn id="57" dur="1" fill="hold">
-                                          <p:stCondLst>
-                                            <p:cond delay="0"/>
-                                          </p:stCondLst>
-                                        </p:cTn>
-                                        <p:tgtEl>
-                                          <p:spTgt spid="3">
-                                            <p:txEl>
-                                              <p:pRg st="5" end="5"/>
-                                            </p:txEl>
-                                          </p:spTgt>
-                                        </p:tgtEl>
-                                        <p:attrNameLst>
-                                          <p:attrName>style.visibility</p:attrName>
-                                        </p:attrNameLst>
-                                      </p:cBhvr>
-                                      <p:to>
-                                        <p:strVal val="visible"/>
-                                      </p:to>
-                                    </p:set>
-                                    <p:anim calcmode="lin" valueType="num">
-                                      <p:cBhvr>
-                                        <p:cTn id="58" dur="500" fill="hold"/>
-                                        <p:tgtEl>
-                                          <p:spTgt spid="3">
-                                            <p:txEl>
-                                              <p:pRg st="5" end="5"/>
-                                            </p:txEl>
-                                          </p:spTgt>
-                                        </p:tgtEl>
-                                        <p:attrNameLst>
-                                          <p:attrName>ppt_w</p:attrName>
-                                        </p:attrNameLst>
-                                      </p:cBhvr>
-                                      <p:tavLst>
-                                        <p:tav tm="0">
-                                          <p:val>
-                                            <p:fltVal val="0"/>
-                                          </p:val>
-                                        </p:tav>
-                                        <p:tav tm="100000">
-                                          <p:val>
-                                            <p:strVal val="#ppt_w"/>
-                                          </p:val>
-                                        </p:tav>
-                                      </p:tavLst>
-                                    </p:anim>
-                                    <p:anim calcmode="lin" valueType="num">
-                                      <p:cBhvr>
-                                        <p:cTn id="59" dur="500" fill="hold"/>
-                                        <p:tgtEl>
-                                          <p:spTgt spid="3">
-                                            <p:txEl>
-                                              <p:pRg st="5" end="5"/>
-                                            </p:txEl>
-                                          </p:spTgt>
-                                        </p:tgtEl>
-                                        <p:attrNameLst>
-                                          <p:attrName>ppt_h</p:attrName>
-                                        </p:attrNameLst>
-                                      </p:cBhvr>
-                                      <p:tavLst>
-                                        <p:tav tm="0">
-                                          <p:val>
-                                            <p:fltVal val="0"/>
-                                          </p:val>
-                                        </p:tav>
-                                        <p:tav tm="100000">
-                                          <p:val>
-                                            <p:strVal val="#ppt_h"/>
-                                          </p:val>
-                                        </p:tav>
-                                      </p:tavLst>
-                                    </p:anim>
-                                    <p:anim calcmode="lin" valueType="num">
-                                      <p:cBhvr>
-                                        <p:cTn id="60" dur="500" fill="hold"/>
-                                        <p:tgtEl>
-                                          <p:spTgt spid="3">
-                                            <p:txEl>
-                                              <p:pRg st="5" end="5"/>
-                                            </p:txEl>
-                                          </p:spTgt>
-                                        </p:tgtEl>
-                                        <p:attrNameLst>
-                                          <p:attrName>style.rotation</p:attrName>
-                                        </p:attrNameLst>
-                                      </p:cBhvr>
-                                      <p:tavLst>
-                                        <p:tav tm="0">
-                                          <p:val>
-                                            <p:fltVal val="90"/>
-                                          </p:val>
-                                        </p:tav>
-                                        <p:tav tm="100000">
-                                          <p:val>
-                                            <p:fltVal val="0"/>
-                                          </p:val>
-                                        </p:tav>
-                                      </p:tavLst>
-                                    </p:anim>
-                                    <p:animEffect transition="in" filter="fade">
-                                      <p:cBhvr>
-                                        <p:cTn id="61" dur="500"/>
-                                        <p:tgtEl>
-                                          <p:spTgt spid="3">
-                                            <p:txEl>
-                                              <p:pRg st="5" end="5"/>
-                                            </p:txEl>
-                                          </p:spTgt>
-                                        </p:tgtEl>
-                                      </p:cBhvr>
-                                    </p:animEffect>
-                                  </p:childTnLst>
-                                </p:cTn>
-                              </p:par>
-                              <p:par>
-                                <p:cTn id="62" presetID="31" presetClass="entr" presetSubtype="0" fill="hold" nodeType="withEffect">
-                                  <p:stCondLst>
-                                    <p:cond delay="0"/>
-                                  </p:stCondLst>
-                                  <p:childTnLst>
-                                    <p:set>
-                                      <p:cBhvr>
-                                        <p:cTn id="63" dur="1" fill="hold">
-                                          <p:stCondLst>
-                                            <p:cond delay="0"/>
-                                          </p:stCondLst>
-                                        </p:cTn>
-                                        <p:tgtEl>
-                                          <p:spTgt spid="3">
-                                            <p:txEl>
-                                              <p:pRg st="6" end="6"/>
-                                            </p:txEl>
-                                          </p:spTgt>
-                                        </p:tgtEl>
-                                        <p:attrNameLst>
-                                          <p:attrName>style.visibility</p:attrName>
-                                        </p:attrNameLst>
-                                      </p:cBhvr>
-                                      <p:to>
-                                        <p:strVal val="visible"/>
-                                      </p:to>
-                                    </p:set>
-                                    <p:anim calcmode="lin" valueType="num">
-                                      <p:cBhvr>
-                                        <p:cTn id="64" dur="500" fill="hold"/>
-                                        <p:tgtEl>
-                                          <p:spTgt spid="3">
-                                            <p:txEl>
-                                              <p:pRg st="6" end="6"/>
-                                            </p:txEl>
-                                          </p:spTgt>
-                                        </p:tgtEl>
-                                        <p:attrNameLst>
-                                          <p:attrName>ppt_w</p:attrName>
-                                        </p:attrNameLst>
-                                      </p:cBhvr>
-                                      <p:tavLst>
-                                        <p:tav tm="0">
-                                          <p:val>
-                                            <p:fltVal val="0"/>
-                                          </p:val>
-                                        </p:tav>
-                                        <p:tav tm="100000">
-                                          <p:val>
-                                            <p:strVal val="#ppt_w"/>
-                                          </p:val>
-                                        </p:tav>
-                                      </p:tavLst>
-                                    </p:anim>
-                                    <p:anim calcmode="lin" valueType="num">
-                                      <p:cBhvr>
-                                        <p:cTn id="65" dur="500" fill="hold"/>
-                                        <p:tgtEl>
-                                          <p:spTgt spid="3">
-                                            <p:txEl>
-                                              <p:pRg st="6" end="6"/>
-                                            </p:txEl>
-                                          </p:spTgt>
-                                        </p:tgtEl>
-                                        <p:attrNameLst>
-                                          <p:attrName>ppt_h</p:attrName>
-                                        </p:attrNameLst>
-                                      </p:cBhvr>
-                                      <p:tavLst>
-                                        <p:tav tm="0">
-                                          <p:val>
-                                            <p:fltVal val="0"/>
-                                          </p:val>
-                                        </p:tav>
-                                        <p:tav tm="100000">
-                                          <p:val>
-                                            <p:strVal val="#ppt_h"/>
-                                          </p:val>
-                                        </p:tav>
-                                      </p:tavLst>
-                                    </p:anim>
-                                    <p:anim calcmode="lin" valueType="num">
-                                      <p:cBhvr>
-                                        <p:cTn id="66" dur="500" fill="hold"/>
-                                        <p:tgtEl>
-                                          <p:spTgt spid="3">
-                                            <p:txEl>
-                                              <p:pRg st="6" end="6"/>
-                                            </p:txEl>
-                                          </p:spTgt>
-                                        </p:tgtEl>
-                                        <p:attrNameLst>
-                                          <p:attrName>style.rotation</p:attrName>
-                                        </p:attrNameLst>
-                                      </p:cBhvr>
-                                      <p:tavLst>
-                                        <p:tav tm="0">
-                                          <p:val>
-                                            <p:fltVal val="90"/>
-                                          </p:val>
-                                        </p:tav>
-                                        <p:tav tm="100000">
-                                          <p:val>
-                                            <p:fltVal val="0"/>
-                                          </p:val>
-                                        </p:tav>
-                                      </p:tavLst>
-                                    </p:anim>
-                                    <p:animEffect transition="in" filter="fade">
-                                      <p:cBhvr>
-                                        <p:cTn id="67" dur="500"/>
-                                        <p:tgtEl>
-                                          <p:spTgt spid="3">
-                                            <p:txEl>
-                                              <p:pRg st="6" end="6"/>
-                                            </p:txEl>
-                                          </p:spTgt>
-                                        </p:tgtEl>
-                                      </p:cBhvr>
-                                    </p:animEffect>
-                                  </p:childTnLst>
-                                </p:cTn>
-                              </p:par>
-                              <p:par>
-                                <p:cTn id="68" presetID="31" presetClass="entr" presetSubtype="0" fill="hold" nodeType="withEffect">
-                                  <p:stCondLst>
-                                    <p:cond delay="0"/>
-                                  </p:stCondLst>
-                                  <p:childTnLst>
-                                    <p:set>
-                                      <p:cBhvr>
-                                        <p:cTn id="69" dur="1" fill="hold">
-                                          <p:stCondLst>
-                                            <p:cond delay="0"/>
-                                          </p:stCondLst>
-                                        </p:cTn>
-                                        <p:tgtEl>
-                                          <p:spTgt spid="3">
-                                            <p:txEl>
-                                              <p:pRg st="7" end="7"/>
-                                            </p:txEl>
-                                          </p:spTgt>
-                                        </p:tgtEl>
-                                        <p:attrNameLst>
-                                          <p:attrName>style.visibility</p:attrName>
-                                        </p:attrNameLst>
-                                      </p:cBhvr>
-                                      <p:to>
-                                        <p:strVal val="visible"/>
-                                      </p:to>
-                                    </p:set>
-                                    <p:anim calcmode="lin" valueType="num">
-                                      <p:cBhvr>
-                                        <p:cTn id="70" dur="500" fill="hold"/>
-                                        <p:tgtEl>
-                                          <p:spTgt spid="3">
-                                            <p:txEl>
-                                              <p:pRg st="7" end="7"/>
-                                            </p:txEl>
-                                          </p:spTgt>
-                                        </p:tgtEl>
-                                        <p:attrNameLst>
-                                          <p:attrName>ppt_w</p:attrName>
-                                        </p:attrNameLst>
-                                      </p:cBhvr>
-                                      <p:tavLst>
-                                        <p:tav tm="0">
-                                          <p:val>
-                                            <p:fltVal val="0"/>
-                                          </p:val>
-                                        </p:tav>
-                                        <p:tav tm="100000">
-                                          <p:val>
-                                            <p:strVal val="#ppt_w"/>
-                                          </p:val>
-                                        </p:tav>
-                                      </p:tavLst>
-                                    </p:anim>
-                                    <p:anim calcmode="lin" valueType="num">
-                                      <p:cBhvr>
-                                        <p:cTn id="71" dur="500" fill="hold"/>
-                                        <p:tgtEl>
-                                          <p:spTgt spid="3">
-                                            <p:txEl>
-                                              <p:pRg st="7" end="7"/>
-                                            </p:txEl>
-                                          </p:spTgt>
-                                        </p:tgtEl>
-                                        <p:attrNameLst>
-                                          <p:attrName>ppt_h</p:attrName>
-                                        </p:attrNameLst>
-                                      </p:cBhvr>
-                                      <p:tavLst>
-                                        <p:tav tm="0">
-                                          <p:val>
-                                            <p:fltVal val="0"/>
-                                          </p:val>
-                                        </p:tav>
-                                        <p:tav tm="100000">
-                                          <p:val>
-                                            <p:strVal val="#ppt_h"/>
-                                          </p:val>
-                                        </p:tav>
-                                      </p:tavLst>
-                                    </p:anim>
-                                    <p:anim calcmode="lin" valueType="num">
-                                      <p:cBhvr>
-                                        <p:cTn id="72" dur="500" fill="hold"/>
-                                        <p:tgtEl>
-                                          <p:spTgt spid="3">
-                                            <p:txEl>
-                                              <p:pRg st="7" end="7"/>
-                                            </p:txEl>
-                                          </p:spTgt>
-                                        </p:tgtEl>
-                                        <p:attrNameLst>
-                                          <p:attrName>style.rotation</p:attrName>
-                                        </p:attrNameLst>
-                                      </p:cBhvr>
-                                      <p:tavLst>
-                                        <p:tav tm="0">
-                                          <p:val>
-                                            <p:fltVal val="90"/>
-                                          </p:val>
-                                        </p:tav>
-                                        <p:tav tm="100000">
-                                          <p:val>
-                                            <p:fltVal val="0"/>
-                                          </p:val>
-                                        </p:tav>
-                                      </p:tavLst>
-                                    </p:anim>
-                                    <p:animEffect transition="in" filter="fade">
-                                      <p:cBhvr>
-                                        <p:cTn id="73" dur="500"/>
-                                        <p:tgtEl>
-                                          <p:spTgt spid="3">
-                                            <p:txEl>
-                                              <p:pRg st="7" end="7"/>
-                                            </p:txEl>
-                                          </p:spTgt>
-                                        </p:tgtEl>
-                                      </p:cBhvr>
-                                    </p:animEffect>
-                                  </p:childTnLst>
-                                </p:cTn>
-                              </p:par>
-                              <p:par>
-                                <p:cTn id="74" presetID="31" presetClass="entr" presetSubtype="0" fill="hold" nodeType="withEffect">
-                                  <p:stCondLst>
-                                    <p:cond delay="0"/>
-                                  </p:stCondLst>
-                                  <p:childTnLst>
-                                    <p:set>
-                                      <p:cBhvr>
-                                        <p:cTn id="75" dur="1" fill="hold">
-                                          <p:stCondLst>
-                                            <p:cond delay="0"/>
-                                          </p:stCondLst>
-                                        </p:cTn>
-                                        <p:tgtEl>
-                                          <p:spTgt spid="3">
-                                            <p:txEl>
-                                              <p:pRg st="8" end="8"/>
-                                            </p:txEl>
-                                          </p:spTgt>
-                                        </p:tgtEl>
-                                        <p:attrNameLst>
-                                          <p:attrName>style.visibility</p:attrName>
-                                        </p:attrNameLst>
-                                      </p:cBhvr>
-                                      <p:to>
-                                        <p:strVal val="visible"/>
-                                      </p:to>
-                                    </p:set>
-                                    <p:anim calcmode="lin" valueType="num">
-                                      <p:cBhvr>
-                                        <p:cTn id="76" dur="500" fill="hold"/>
-                                        <p:tgtEl>
-                                          <p:spTgt spid="3">
-                                            <p:txEl>
-                                              <p:pRg st="8" end="8"/>
-                                            </p:txEl>
-                                          </p:spTgt>
-                                        </p:tgtEl>
-                                        <p:attrNameLst>
-                                          <p:attrName>ppt_w</p:attrName>
-                                        </p:attrNameLst>
-                                      </p:cBhvr>
-                                      <p:tavLst>
-                                        <p:tav tm="0">
-                                          <p:val>
-                                            <p:fltVal val="0"/>
-                                          </p:val>
-                                        </p:tav>
-                                        <p:tav tm="100000">
-                                          <p:val>
-                                            <p:strVal val="#ppt_w"/>
-                                          </p:val>
-                                        </p:tav>
-                                      </p:tavLst>
-                                    </p:anim>
-                                    <p:anim calcmode="lin" valueType="num">
-                                      <p:cBhvr>
-                                        <p:cTn id="77" dur="500" fill="hold"/>
-                                        <p:tgtEl>
-                                          <p:spTgt spid="3">
-                                            <p:txEl>
-                                              <p:pRg st="8" end="8"/>
-                                            </p:txEl>
-                                          </p:spTgt>
-                                        </p:tgtEl>
-                                        <p:attrNameLst>
-                                          <p:attrName>ppt_h</p:attrName>
-                                        </p:attrNameLst>
-                                      </p:cBhvr>
-                                      <p:tavLst>
-                                        <p:tav tm="0">
-                                          <p:val>
-                                            <p:fltVal val="0"/>
-                                          </p:val>
-                                        </p:tav>
-                                        <p:tav tm="100000">
-                                          <p:val>
-                                            <p:strVal val="#ppt_h"/>
-                                          </p:val>
-                                        </p:tav>
-                                      </p:tavLst>
-                                    </p:anim>
-                                    <p:anim calcmode="lin" valueType="num">
-                                      <p:cBhvr>
-                                        <p:cTn id="78" dur="500" fill="hold"/>
-                                        <p:tgtEl>
-                                          <p:spTgt spid="3">
-                                            <p:txEl>
-                                              <p:pRg st="8" end="8"/>
-                                            </p:txEl>
-                                          </p:spTgt>
-                                        </p:tgtEl>
-                                        <p:attrNameLst>
-                                          <p:attrName>style.rotation</p:attrName>
-                                        </p:attrNameLst>
-                                      </p:cBhvr>
-                                      <p:tavLst>
-                                        <p:tav tm="0">
-                                          <p:val>
-                                            <p:fltVal val="90"/>
-                                          </p:val>
-                                        </p:tav>
-                                        <p:tav tm="100000">
-                                          <p:val>
-                                            <p:fltVal val="0"/>
-                                          </p:val>
-                                        </p:tav>
-                                      </p:tavLst>
-                                    </p:anim>
-                                    <p:animEffect transition="in" filter="fade">
-                                      <p:cBhvr>
-                                        <p:cTn id="79" dur="500"/>
-                                        <p:tgtEl>
-                                          <p:spTgt spid="3">
-                                            <p:txEl>
-                                              <p:pRg st="8" end="8"/>
-                                            </p:txEl>
-                                          </p:spTgt>
-                                        </p:tgtEl>
-                                      </p:cBhvr>
-                                    </p:animEffect>
-                                  </p:childTnLst>
-                                </p:cTn>
-                              </p:par>
-                              <p:par>
-                                <p:cTn id="80" presetID="31" presetClass="entr" presetSubtype="0" fill="hold" nodeType="withEffect">
-                                  <p:stCondLst>
-                                    <p:cond delay="0"/>
-                                  </p:stCondLst>
-                                  <p:childTnLst>
-                                    <p:set>
-                                      <p:cBhvr>
-                                        <p:cTn id="81" dur="1" fill="hold">
-                                          <p:stCondLst>
-                                            <p:cond delay="0"/>
-                                          </p:stCondLst>
-                                        </p:cTn>
-                                        <p:tgtEl>
-                                          <p:spTgt spid="3">
-                                            <p:txEl>
-                                              <p:pRg st="9" end="9"/>
-                                            </p:txEl>
-                                          </p:spTgt>
-                                        </p:tgtEl>
-                                        <p:attrNameLst>
-                                          <p:attrName>style.visibility</p:attrName>
-                                        </p:attrNameLst>
-                                      </p:cBhvr>
-                                      <p:to>
-                                        <p:strVal val="visible"/>
-                                      </p:to>
-                                    </p:set>
-                                    <p:anim calcmode="lin" valueType="num">
-                                      <p:cBhvr>
-                                        <p:cTn id="82" dur="500" fill="hold"/>
-                                        <p:tgtEl>
-                                          <p:spTgt spid="3">
-                                            <p:txEl>
-                                              <p:pRg st="9" end="9"/>
-                                            </p:txEl>
-                                          </p:spTgt>
-                                        </p:tgtEl>
-                                        <p:attrNameLst>
-                                          <p:attrName>ppt_w</p:attrName>
-                                        </p:attrNameLst>
-                                      </p:cBhvr>
-                                      <p:tavLst>
-                                        <p:tav tm="0">
-                                          <p:val>
-                                            <p:fltVal val="0"/>
-                                          </p:val>
-                                        </p:tav>
-                                        <p:tav tm="100000">
-                                          <p:val>
-                                            <p:strVal val="#ppt_w"/>
-                                          </p:val>
-                                        </p:tav>
-                                      </p:tavLst>
-                                    </p:anim>
-                                    <p:anim calcmode="lin" valueType="num">
-                                      <p:cBhvr>
-                                        <p:cTn id="83" dur="500" fill="hold"/>
-                                        <p:tgtEl>
-                                          <p:spTgt spid="3">
-                                            <p:txEl>
-                                              <p:pRg st="9" end="9"/>
-                                            </p:txEl>
-                                          </p:spTgt>
-                                        </p:tgtEl>
-                                        <p:attrNameLst>
-                                          <p:attrName>ppt_h</p:attrName>
-                                        </p:attrNameLst>
-                                      </p:cBhvr>
-                                      <p:tavLst>
-                                        <p:tav tm="0">
-                                          <p:val>
-                                            <p:fltVal val="0"/>
-                                          </p:val>
-                                        </p:tav>
-                                        <p:tav tm="100000">
-                                          <p:val>
-                                            <p:strVal val="#ppt_h"/>
-                                          </p:val>
-                                        </p:tav>
-                                      </p:tavLst>
-                                    </p:anim>
-                                    <p:anim calcmode="lin" valueType="num">
-                                      <p:cBhvr>
-                                        <p:cTn id="84" dur="500" fill="hold"/>
-                                        <p:tgtEl>
-                                          <p:spTgt spid="3">
-                                            <p:txEl>
-                                              <p:pRg st="9" end="9"/>
-                                            </p:txEl>
-                                          </p:spTgt>
-                                        </p:tgtEl>
-                                        <p:attrNameLst>
-                                          <p:attrName>style.rotation</p:attrName>
-                                        </p:attrNameLst>
-                                      </p:cBhvr>
-                                      <p:tavLst>
-                                        <p:tav tm="0">
-                                          <p:val>
-                                            <p:fltVal val="90"/>
-                                          </p:val>
-                                        </p:tav>
-                                        <p:tav tm="100000">
-                                          <p:val>
-                                            <p:fltVal val="0"/>
-                                          </p:val>
-                                        </p:tav>
-                                      </p:tavLst>
-                                    </p:anim>
-                                    <p:animEffect transition="in" filter="fade">
-                                      <p:cBhvr>
-                                        <p:cTn id="85" dur="500"/>
-                                        <p:tgtEl>
-                                          <p:spTgt spid="3">
-                                            <p:txEl>
-                                              <p:pRg st="9" end="9"/>
+                                              <p:pRg st="11" end="11"/>
                                             </p:txEl>
                                           </p:spTgt>
                                         </p:tgtEl>
@@ -5491,9 +5586,9 @@
     <a:masterClrMapping/>
   </p:clrMapOvr>
   <mc:AlternateContent xmlns:mc="http://schemas.openxmlformats.org/markup-compatibility/2006">
-    <mc:Choice xmlns:p14="http://schemas.microsoft.com/office/powerpoint/2010/main" Requires="p14">
-      <p:transition spd="slow" p14:dur="1400">
-        <p14:ripple/>
+    <mc:Choice xmlns:p15="http://schemas.microsoft.com/office/powerpoint/2012/main" Requires="p15">
+      <p:transition xmlns:p14="http://schemas.microsoft.com/office/powerpoint/2010/main" spd="slow" p14:dur="2500">
+        <p15:prstTrans prst="origami"/>
       </p:transition>
     </mc:Choice>
     <mc:Fallback>
@@ -5539,24 +5634,23 @@
             <p:ph type="title"/>
           </p:nvPr>
         </p:nvSpPr>
-        <p:spPr/>
-        <p:txBody>
-          <a:bodyPr/>
+        <p:spPr>
+          <a:xfrm>
+            <a:off x="2374710" y="365125"/>
+            <a:ext cx="8979090" cy="1325563"/>
+          </a:xfrm>
+        </p:spPr>
+        <p:txBody>
+          <a:bodyPr>
+            <a:normAutofit/>
+          </a:bodyPr>
           <a:lstStyle/>
           <a:p>
             <a:r>
-              <a:rPr lang="en-US" b="1" dirty="0" smtClean="0">
-                <a:solidFill>
-                  <a:schemeClr val="accent5"/>
-                </a:solidFill>
-              </a:rPr>
-              <a:t>		Client Requirements</a:t>
-            </a:r>
-            <a:endParaRPr lang="en-US" b="1" dirty="0">
-              <a:solidFill>
-                <a:schemeClr val="accent5"/>
-              </a:solidFill>
-            </a:endParaRPr>
+              <a:rPr lang="en-US" sz="4800" b="1" dirty="0" smtClean="0"/>
+              <a:t>Abstraction &amp; Polymorphism	</a:t>
+            </a:r>
+            <a:endParaRPr lang="en-US" sz="4800" b="1" dirty="0"/>
           </a:p>
         </p:txBody>
       </p:sp>
@@ -5570,94 +5664,218 @@
             <p:ph idx="1"/>
           </p:nvPr>
         </p:nvSpPr>
-        <p:spPr/>
-        <p:txBody>
-          <a:bodyPr/>
+        <p:spPr>
+          <a:xfrm>
+            <a:off x="838200" y="1825625"/>
+            <a:ext cx="5562600" cy="4738948"/>
+          </a:xfrm>
+        </p:spPr>
+        <p:txBody>
+          <a:bodyPr>
+            <a:normAutofit fontScale="92500" lnSpcReduction="10000"/>
+          </a:bodyPr>
           <a:lstStyle/>
           <a:p>
+            <a:pPr>
+              <a:buFont typeface="Wingdings" panose="05000000000000000000" pitchFamily="2" charset="2"/>
+              <a:buChar char="ü"/>
+            </a:pPr>
+            <a:r>
+              <a:rPr lang="en-US" sz="2000" dirty="0"/>
+              <a:t>Abstraction is a process of hiding the implementation details from the user, only the functionality will be provided to the user</a:t>
+            </a:r>
+            <a:r>
+              <a:rPr lang="en-US" sz="2000" dirty="0" smtClean="0"/>
+              <a:t>.</a:t>
+            </a:r>
+          </a:p>
+          <a:p>
+            <a:pPr marL="0" indent="0">
+              <a:buNone/>
+            </a:pPr>
+            <a:endParaRPr lang="en-US" sz="2000" dirty="0"/>
+          </a:p>
+          <a:p>
+            <a:pPr>
+              <a:buFont typeface="Wingdings" panose="05000000000000000000" pitchFamily="2" charset="2"/>
+              <a:buChar char="ü"/>
+            </a:pPr>
+            <a:r>
+              <a:rPr lang="en-US" sz="2400" dirty="0"/>
+              <a:t>Building complex system by splitting the complexity level by </a:t>
+            </a:r>
+            <a:r>
+              <a:rPr lang="en-US" sz="2400" dirty="0" smtClean="0"/>
+              <a:t>level</a:t>
+            </a:r>
+          </a:p>
+          <a:p>
+            <a:pPr marL="0" indent="0">
+              <a:buNone/>
+            </a:pPr>
+            <a:endParaRPr lang="en-US" sz="2400" dirty="0"/>
+          </a:p>
+          <a:p>
+            <a:pPr>
+              <a:buFont typeface="Wingdings" panose="05000000000000000000" pitchFamily="2" charset="2"/>
+              <a:buChar char="ü"/>
+            </a:pPr>
+            <a:r>
+              <a:rPr lang="en-US" sz="2400" dirty="0" smtClean="0"/>
+              <a:t>Example , </a:t>
+            </a:r>
+          </a:p>
+          <a:p>
+            <a:pPr marL="0" indent="0">
+              <a:buNone/>
+            </a:pPr>
+            <a:r>
+              <a:rPr lang="en-US" sz="2400" dirty="0" smtClean="0"/>
+              <a:t>      </a:t>
+            </a:r>
+            <a:r>
+              <a:rPr lang="en-US" sz="2400" dirty="0" err="1" smtClean="0"/>
+              <a:t>AddToCart</a:t>
+            </a:r>
+            <a:r>
+              <a:rPr lang="en-US" sz="2400" dirty="0" smtClean="0"/>
+              <a:t>(product);</a:t>
+            </a:r>
+          </a:p>
+          <a:p>
+            <a:pPr marL="0" indent="0">
+              <a:buNone/>
+            </a:pPr>
+            <a:r>
+              <a:rPr lang="en-US" sz="2400" dirty="0" smtClean="0"/>
+              <a:t>Public void </a:t>
+            </a:r>
+            <a:r>
+              <a:rPr lang="en-US" sz="2400" dirty="0" err="1" smtClean="0"/>
+              <a:t>AddToCart</a:t>
+            </a:r>
+            <a:r>
+              <a:rPr lang="en-US" sz="2400" dirty="0" smtClean="0"/>
+              <a:t>(Product product)</a:t>
+            </a:r>
+          </a:p>
+          <a:p>
+            <a:pPr marL="0" indent="0">
+              <a:buNone/>
+            </a:pPr>
+            <a:r>
+              <a:rPr lang="en-US" sz="2400" dirty="0" smtClean="0"/>
+              <a:t>{</a:t>
+            </a:r>
+          </a:p>
+          <a:p>
+            <a:pPr marL="457200" lvl="1" indent="0">
+              <a:buNone/>
+            </a:pPr>
             <a:r>
               <a:rPr lang="en-US" dirty="0" smtClean="0"/>
-              <a:t>1. I Need a Scorecard System that will Auto calculate score.</a:t>
-            </a:r>
-          </a:p>
-          <a:p>
-            <a:r>
-              <a:rPr lang="en-US" dirty="0" smtClean="0"/>
-              <a:t>2. I will press just one time and score should be calculated.</a:t>
-            </a:r>
-          </a:p>
-          <a:p>
-            <a:r>
-              <a:rPr lang="en-US" dirty="0" smtClean="0"/>
-              <a:t>3. Must Have to show in following format</a:t>
-            </a:r>
-          </a:p>
-          <a:p>
-            <a:pPr lvl="1">
+              <a:t>// Too Tough Implementation </a:t>
+            </a:r>
+          </a:p>
+          <a:p>
+            <a:pPr marL="0" indent="0">
+              <a:buNone/>
+            </a:pPr>
+            <a:r>
+              <a:rPr lang="en-US" sz="2400" dirty="0" smtClean="0"/>
+              <a:t>}</a:t>
+            </a:r>
+            <a:endParaRPr lang="en-US" sz="2400" dirty="0"/>
+          </a:p>
+        </p:txBody>
+      </p:sp>
+      <p:sp>
+        <p:nvSpPr>
+          <p:cNvPr id="8" name="TextBox 7"/>
+          <p:cNvSpPr txBox="1"/>
+          <p:nvPr/>
+        </p:nvSpPr>
+        <p:spPr>
+          <a:xfrm>
+            <a:off x="6400800" y="1932509"/>
+            <a:ext cx="5581935" cy="4154984"/>
+          </a:xfrm>
+          <a:prstGeom prst="rect">
+            <a:avLst/>
+          </a:prstGeom>
+          <a:noFill/>
+        </p:spPr>
+        <p:txBody>
+          <a:bodyPr wrap="square" rtlCol="0">
+            <a:spAutoFit/>
+          </a:bodyPr>
+          <a:lstStyle/>
+          <a:p>
+            <a:pPr marL="342900" indent="-342900">
               <a:buFont typeface="Wingdings" panose="05000000000000000000" pitchFamily="2" charset="2"/>
-              <a:buChar char="Ø"/>
+              <a:buChar char="ü"/>
             </a:pPr>
             <a:r>
-              <a:rPr lang="en-US" dirty="0" smtClean="0"/>
-              <a:t> </a:t>
-            </a:r>
-            <a:r>
-              <a:rPr lang="en-US" dirty="0" err="1" smtClean="0"/>
-              <a:t>Commentry</a:t>
-            </a:r>
-            <a:r>
-              <a:rPr lang="en-US" dirty="0" smtClean="0"/>
-              <a:t> : WOW !!! What a Six !! It's Maximum</a:t>
-            </a:r>
-          </a:p>
-          <a:p>
-            <a:pPr lvl="1">
+              <a:rPr lang="en-US" sz="2400" dirty="0"/>
+              <a:t>Polymorphism provides the ability to a class to have multiple implementations with the same name.</a:t>
+            </a:r>
+            <a:endParaRPr lang="en-US" sz="2400" dirty="0" smtClean="0"/>
+          </a:p>
+          <a:p>
+            <a:endParaRPr lang="en-US" sz="2400" dirty="0" smtClean="0"/>
+          </a:p>
+          <a:p>
+            <a:pPr marL="342900" indent="-342900">
               <a:buFont typeface="Wingdings" panose="05000000000000000000" pitchFamily="2" charset="2"/>
-              <a:buChar char="Ø"/>
+              <a:buChar char="ü"/>
             </a:pPr>
             <a:r>
-              <a:rPr lang="en-US" dirty="0" smtClean="0"/>
-              <a:t> Run : 20</a:t>
-            </a:r>
-            <a:endParaRPr lang="en-US" dirty="0" smtClean="0"/>
-          </a:p>
-          <a:p>
-            <a:pPr lvl="1">
+              <a:rPr lang="en-US" sz="2400" dirty="0"/>
+              <a:t>Method overloading is Compile time Polymorphism .</a:t>
+            </a:r>
+          </a:p>
+          <a:p>
+            <a:endParaRPr lang="en-US" sz="2400" dirty="0" smtClean="0"/>
+          </a:p>
+          <a:p>
+            <a:pPr marL="342900" indent="-342900">
               <a:buFont typeface="Wingdings" panose="05000000000000000000" pitchFamily="2" charset="2"/>
-              <a:buChar char="Ø"/>
+              <a:buChar char="ü"/>
             </a:pPr>
             <a:r>
-              <a:rPr lang="en-US" dirty="0" smtClean="0"/>
-              <a:t> Wicket : 0</a:t>
-            </a:r>
-          </a:p>
-          <a:p>
-            <a:pPr lvl="1">
-              <a:buFont typeface="Wingdings" panose="05000000000000000000" pitchFamily="2" charset="2"/>
-              <a:buChar char="Ø"/>
-            </a:pPr>
-            <a:r>
-              <a:rPr lang="en-US" dirty="0" smtClean="0"/>
-              <a:t> Over : 2.3 Overs</a:t>
-            </a:r>
-          </a:p>
-          <a:p>
-            <a:pPr lvl="1">
-              <a:buFont typeface="Wingdings" panose="05000000000000000000" pitchFamily="2" charset="2"/>
-              <a:buChar char="Ø"/>
-            </a:pPr>
-            <a:r>
-              <a:rPr lang="en-US" dirty="0" smtClean="0"/>
-              <a:t> Total Score : 20/0 2.3 Overs</a:t>
-            </a:r>
-            <a:endParaRPr lang="en-US" dirty="0"/>
+              <a:rPr lang="en-US" sz="2400" dirty="0" smtClean="0"/>
+              <a:t>Example – void Count(</a:t>
+            </a:r>
+            <a:r>
+              <a:rPr lang="en-US" sz="2400" dirty="0" err="1" smtClean="0"/>
+              <a:t>int</a:t>
+            </a:r>
+            <a:r>
+              <a:rPr lang="en-US" sz="2400" dirty="0" smtClean="0"/>
+              <a:t> a);</a:t>
+            </a:r>
+          </a:p>
+          <a:p>
+            <a:r>
+              <a:rPr lang="en-US" sz="2400" dirty="0" smtClean="0"/>
+              <a:t>	           void Count(double a);</a:t>
+            </a:r>
+          </a:p>
+          <a:p>
+            <a:r>
+              <a:rPr lang="en-US" sz="2400" dirty="0" smtClean="0"/>
+              <a:t>	           void Count(Product product);</a:t>
+            </a:r>
+          </a:p>
+          <a:p>
+            <a:endParaRPr lang="en-US" sz="2400" dirty="0"/>
           </a:p>
         </p:txBody>
       </p:sp>
     </p:spTree>
     <p:extLst>
       <p:ext uri="{BB962C8B-B14F-4D97-AF65-F5344CB8AC3E}">
-        <p14:creationId xmlns:p14="http://schemas.microsoft.com/office/powerpoint/2010/main" val="3446899126"/>
+        <p14:creationId xmlns:p14="http://schemas.microsoft.com/office/powerpoint/2010/main" val="1272856663"/>
       </p:ext>
     </p:extLst>
   </p:cSld>
@@ -5665,9 +5883,9 @@
     <a:masterClrMapping/>
   </p:clrMapOvr>
   <mc:AlternateContent xmlns:mc="http://schemas.openxmlformats.org/markup-compatibility/2006">
-    <mc:Choice xmlns:p14="http://schemas.microsoft.com/office/powerpoint/2010/main" Requires="p14">
-      <p:transition spd="slow" p14:dur="1600">
-        <p14:gallery dir="l"/>
+    <mc:Choice xmlns:p15="http://schemas.microsoft.com/office/powerpoint/2012/main" Requires="p15">
+      <p:transition xmlns:p14="http://schemas.microsoft.com/office/powerpoint/2010/main" spd="slow" p14:dur="2000">
+        <p15:prstTrans prst="fallOver"/>
       </p:transition>
     </mc:Choice>
     <mc:Fallback>
@@ -5679,7 +5897,733 @@
   <p:timing>
     <p:tnLst>
       <p:par>
-        <p:cTn id="1" dur="indefinite" restart="never" nodeType="tmRoot"/>
+        <p:cTn id="1" dur="indefinite" restart="never" nodeType="tmRoot">
+          <p:childTnLst>
+            <p:seq concurrent="1" nextAc="seek">
+              <p:cTn id="2" dur="indefinite" nodeType="mainSeq">
+                <p:childTnLst>
+                  <p:par>
+                    <p:cTn id="3" fill="hold">
+                      <p:stCondLst>
+                        <p:cond delay="indefinite"/>
+                      </p:stCondLst>
+                      <p:childTnLst>
+                        <p:par>
+                          <p:cTn id="4" fill="hold">
+                            <p:stCondLst>
+                              <p:cond delay="0"/>
+                            </p:stCondLst>
+                            <p:childTnLst>
+                              <p:par>
+                                <p:cTn id="5" presetID="10" presetClass="entr" presetSubtype="0" fill="hold" nodeType="clickEffect">
+                                  <p:stCondLst>
+                                    <p:cond delay="0"/>
+                                  </p:stCondLst>
+                                  <p:childTnLst>
+                                    <p:set>
+                                      <p:cBhvr>
+                                        <p:cTn id="6" dur="1" fill="hold">
+                                          <p:stCondLst>
+                                            <p:cond delay="0"/>
+                                          </p:stCondLst>
+                                        </p:cTn>
+                                        <p:tgtEl>
+                                          <p:spTgt spid="3">
+                                            <p:txEl>
+                                              <p:pRg st="0" end="0"/>
+                                            </p:txEl>
+                                          </p:spTgt>
+                                        </p:tgtEl>
+                                        <p:attrNameLst>
+                                          <p:attrName>style.visibility</p:attrName>
+                                        </p:attrNameLst>
+                                      </p:cBhvr>
+                                      <p:to>
+                                        <p:strVal val="visible"/>
+                                      </p:to>
+                                    </p:set>
+                                    <p:animEffect transition="in" filter="fade">
+                                      <p:cBhvr>
+                                        <p:cTn id="7" dur="500"/>
+                                        <p:tgtEl>
+                                          <p:spTgt spid="3">
+                                            <p:txEl>
+                                              <p:pRg st="0" end="0"/>
+                                            </p:txEl>
+                                          </p:spTgt>
+                                        </p:tgtEl>
+                                      </p:cBhvr>
+                                    </p:animEffect>
+                                  </p:childTnLst>
+                                </p:cTn>
+                              </p:par>
+                            </p:childTnLst>
+                          </p:cTn>
+                        </p:par>
+                      </p:childTnLst>
+                    </p:cTn>
+                  </p:par>
+                  <p:par>
+                    <p:cTn id="8" fill="hold">
+                      <p:stCondLst>
+                        <p:cond delay="indefinite"/>
+                      </p:stCondLst>
+                      <p:childTnLst>
+                        <p:par>
+                          <p:cTn id="9" fill="hold">
+                            <p:stCondLst>
+                              <p:cond delay="0"/>
+                            </p:stCondLst>
+                            <p:childTnLst>
+                              <p:par>
+                                <p:cTn id="10" presetID="16" presetClass="entr" presetSubtype="21" fill="hold" nodeType="clickEffect">
+                                  <p:stCondLst>
+                                    <p:cond delay="0"/>
+                                  </p:stCondLst>
+                                  <p:childTnLst>
+                                    <p:set>
+                                      <p:cBhvr>
+                                        <p:cTn id="11" dur="1" fill="hold">
+                                          <p:stCondLst>
+                                            <p:cond delay="0"/>
+                                          </p:stCondLst>
+                                        </p:cTn>
+                                        <p:tgtEl>
+                                          <p:spTgt spid="3">
+                                            <p:txEl>
+                                              <p:pRg st="2" end="2"/>
+                                            </p:txEl>
+                                          </p:spTgt>
+                                        </p:tgtEl>
+                                        <p:attrNameLst>
+                                          <p:attrName>style.visibility</p:attrName>
+                                        </p:attrNameLst>
+                                      </p:cBhvr>
+                                      <p:to>
+                                        <p:strVal val="visible"/>
+                                      </p:to>
+                                    </p:set>
+                                    <p:animEffect transition="in" filter="barn(inVertical)">
+                                      <p:cBhvr>
+                                        <p:cTn id="12" dur="500"/>
+                                        <p:tgtEl>
+                                          <p:spTgt spid="3">
+                                            <p:txEl>
+                                              <p:pRg st="2" end="2"/>
+                                            </p:txEl>
+                                          </p:spTgt>
+                                        </p:tgtEl>
+                                      </p:cBhvr>
+                                    </p:animEffect>
+                                  </p:childTnLst>
+                                </p:cTn>
+                              </p:par>
+                            </p:childTnLst>
+                          </p:cTn>
+                        </p:par>
+                      </p:childTnLst>
+                    </p:cTn>
+                  </p:par>
+                  <p:par>
+                    <p:cTn id="13" fill="hold">
+                      <p:stCondLst>
+                        <p:cond delay="indefinite"/>
+                      </p:stCondLst>
+                      <p:childTnLst>
+                        <p:par>
+                          <p:cTn id="14" fill="hold">
+                            <p:stCondLst>
+                              <p:cond delay="0"/>
+                            </p:stCondLst>
+                            <p:childTnLst>
+                              <p:par>
+                                <p:cTn id="15" presetID="22" presetClass="entr" presetSubtype="4" fill="hold" nodeType="clickEffect">
+                                  <p:stCondLst>
+                                    <p:cond delay="0"/>
+                                  </p:stCondLst>
+                                  <p:childTnLst>
+                                    <p:set>
+                                      <p:cBhvr>
+                                        <p:cTn id="16" dur="1" fill="hold">
+                                          <p:stCondLst>
+                                            <p:cond delay="0"/>
+                                          </p:stCondLst>
+                                        </p:cTn>
+                                        <p:tgtEl>
+                                          <p:spTgt spid="3">
+                                            <p:txEl>
+                                              <p:pRg st="4" end="4"/>
+                                            </p:txEl>
+                                          </p:spTgt>
+                                        </p:tgtEl>
+                                        <p:attrNameLst>
+                                          <p:attrName>style.visibility</p:attrName>
+                                        </p:attrNameLst>
+                                      </p:cBhvr>
+                                      <p:to>
+                                        <p:strVal val="visible"/>
+                                      </p:to>
+                                    </p:set>
+                                    <p:animEffect transition="in" filter="wipe(down)">
+                                      <p:cBhvr>
+                                        <p:cTn id="17" dur="500"/>
+                                        <p:tgtEl>
+                                          <p:spTgt spid="3">
+                                            <p:txEl>
+                                              <p:pRg st="4" end="4"/>
+                                            </p:txEl>
+                                          </p:spTgt>
+                                        </p:tgtEl>
+                                      </p:cBhvr>
+                                    </p:animEffect>
+                                  </p:childTnLst>
+                                </p:cTn>
+                              </p:par>
+                              <p:par>
+                                <p:cTn id="18" presetID="22" presetClass="entr" presetSubtype="4" fill="hold" nodeType="withEffect">
+                                  <p:stCondLst>
+                                    <p:cond delay="0"/>
+                                  </p:stCondLst>
+                                  <p:childTnLst>
+                                    <p:set>
+                                      <p:cBhvr>
+                                        <p:cTn id="19" dur="1" fill="hold">
+                                          <p:stCondLst>
+                                            <p:cond delay="0"/>
+                                          </p:stCondLst>
+                                        </p:cTn>
+                                        <p:tgtEl>
+                                          <p:spTgt spid="3">
+                                            <p:txEl>
+                                              <p:pRg st="5" end="5"/>
+                                            </p:txEl>
+                                          </p:spTgt>
+                                        </p:tgtEl>
+                                        <p:attrNameLst>
+                                          <p:attrName>style.visibility</p:attrName>
+                                        </p:attrNameLst>
+                                      </p:cBhvr>
+                                      <p:to>
+                                        <p:strVal val="visible"/>
+                                      </p:to>
+                                    </p:set>
+                                    <p:animEffect transition="in" filter="wipe(down)">
+                                      <p:cBhvr>
+                                        <p:cTn id="20" dur="500"/>
+                                        <p:tgtEl>
+                                          <p:spTgt spid="3">
+                                            <p:txEl>
+                                              <p:pRg st="5" end="5"/>
+                                            </p:txEl>
+                                          </p:spTgt>
+                                        </p:tgtEl>
+                                      </p:cBhvr>
+                                    </p:animEffect>
+                                  </p:childTnLst>
+                                </p:cTn>
+                              </p:par>
+                              <p:par>
+                                <p:cTn id="21" presetID="22" presetClass="entr" presetSubtype="4" fill="hold" nodeType="withEffect">
+                                  <p:stCondLst>
+                                    <p:cond delay="0"/>
+                                  </p:stCondLst>
+                                  <p:childTnLst>
+                                    <p:set>
+                                      <p:cBhvr>
+                                        <p:cTn id="22" dur="1" fill="hold">
+                                          <p:stCondLst>
+                                            <p:cond delay="0"/>
+                                          </p:stCondLst>
+                                        </p:cTn>
+                                        <p:tgtEl>
+                                          <p:spTgt spid="3">
+                                            <p:txEl>
+                                              <p:pRg st="6" end="6"/>
+                                            </p:txEl>
+                                          </p:spTgt>
+                                        </p:tgtEl>
+                                        <p:attrNameLst>
+                                          <p:attrName>style.visibility</p:attrName>
+                                        </p:attrNameLst>
+                                      </p:cBhvr>
+                                      <p:to>
+                                        <p:strVal val="visible"/>
+                                      </p:to>
+                                    </p:set>
+                                    <p:animEffect transition="in" filter="wipe(down)">
+                                      <p:cBhvr>
+                                        <p:cTn id="23" dur="500"/>
+                                        <p:tgtEl>
+                                          <p:spTgt spid="3">
+                                            <p:txEl>
+                                              <p:pRg st="6" end="6"/>
+                                            </p:txEl>
+                                          </p:spTgt>
+                                        </p:tgtEl>
+                                      </p:cBhvr>
+                                    </p:animEffect>
+                                  </p:childTnLst>
+                                </p:cTn>
+                              </p:par>
+                              <p:par>
+                                <p:cTn id="24" presetID="22" presetClass="entr" presetSubtype="4" fill="hold" nodeType="withEffect">
+                                  <p:stCondLst>
+                                    <p:cond delay="0"/>
+                                  </p:stCondLst>
+                                  <p:childTnLst>
+                                    <p:set>
+                                      <p:cBhvr>
+                                        <p:cTn id="25" dur="1" fill="hold">
+                                          <p:stCondLst>
+                                            <p:cond delay="0"/>
+                                          </p:stCondLst>
+                                        </p:cTn>
+                                        <p:tgtEl>
+                                          <p:spTgt spid="3">
+                                            <p:txEl>
+                                              <p:pRg st="7" end="7"/>
+                                            </p:txEl>
+                                          </p:spTgt>
+                                        </p:tgtEl>
+                                        <p:attrNameLst>
+                                          <p:attrName>style.visibility</p:attrName>
+                                        </p:attrNameLst>
+                                      </p:cBhvr>
+                                      <p:to>
+                                        <p:strVal val="visible"/>
+                                      </p:to>
+                                    </p:set>
+                                    <p:animEffect transition="in" filter="wipe(down)">
+                                      <p:cBhvr>
+                                        <p:cTn id="26" dur="500"/>
+                                        <p:tgtEl>
+                                          <p:spTgt spid="3">
+                                            <p:txEl>
+                                              <p:pRg st="7" end="7"/>
+                                            </p:txEl>
+                                          </p:spTgt>
+                                        </p:tgtEl>
+                                      </p:cBhvr>
+                                    </p:animEffect>
+                                  </p:childTnLst>
+                                </p:cTn>
+                              </p:par>
+                              <p:par>
+                                <p:cTn id="27" presetID="22" presetClass="entr" presetSubtype="4" fill="hold" nodeType="withEffect">
+                                  <p:stCondLst>
+                                    <p:cond delay="0"/>
+                                  </p:stCondLst>
+                                  <p:childTnLst>
+                                    <p:set>
+                                      <p:cBhvr>
+                                        <p:cTn id="28" dur="1" fill="hold">
+                                          <p:stCondLst>
+                                            <p:cond delay="0"/>
+                                          </p:stCondLst>
+                                        </p:cTn>
+                                        <p:tgtEl>
+                                          <p:spTgt spid="3">
+                                            <p:txEl>
+                                              <p:pRg st="8" end="8"/>
+                                            </p:txEl>
+                                          </p:spTgt>
+                                        </p:tgtEl>
+                                        <p:attrNameLst>
+                                          <p:attrName>style.visibility</p:attrName>
+                                        </p:attrNameLst>
+                                      </p:cBhvr>
+                                      <p:to>
+                                        <p:strVal val="visible"/>
+                                      </p:to>
+                                    </p:set>
+                                    <p:animEffect transition="in" filter="wipe(down)">
+                                      <p:cBhvr>
+                                        <p:cTn id="29" dur="500"/>
+                                        <p:tgtEl>
+                                          <p:spTgt spid="3">
+                                            <p:txEl>
+                                              <p:pRg st="8" end="8"/>
+                                            </p:txEl>
+                                          </p:spTgt>
+                                        </p:tgtEl>
+                                      </p:cBhvr>
+                                    </p:animEffect>
+                                  </p:childTnLst>
+                                </p:cTn>
+                              </p:par>
+                              <p:par>
+                                <p:cTn id="30" presetID="22" presetClass="entr" presetSubtype="4" fill="hold" nodeType="withEffect">
+                                  <p:stCondLst>
+                                    <p:cond delay="0"/>
+                                  </p:stCondLst>
+                                  <p:childTnLst>
+                                    <p:set>
+                                      <p:cBhvr>
+                                        <p:cTn id="31" dur="1" fill="hold">
+                                          <p:stCondLst>
+                                            <p:cond delay="0"/>
+                                          </p:stCondLst>
+                                        </p:cTn>
+                                        <p:tgtEl>
+                                          <p:spTgt spid="3">
+                                            <p:txEl>
+                                              <p:pRg st="9" end="9"/>
+                                            </p:txEl>
+                                          </p:spTgt>
+                                        </p:tgtEl>
+                                        <p:attrNameLst>
+                                          <p:attrName>style.visibility</p:attrName>
+                                        </p:attrNameLst>
+                                      </p:cBhvr>
+                                      <p:to>
+                                        <p:strVal val="visible"/>
+                                      </p:to>
+                                    </p:set>
+                                    <p:animEffect transition="in" filter="wipe(down)">
+                                      <p:cBhvr>
+                                        <p:cTn id="32" dur="500"/>
+                                        <p:tgtEl>
+                                          <p:spTgt spid="3">
+                                            <p:txEl>
+                                              <p:pRg st="9" end="9"/>
+                                            </p:txEl>
+                                          </p:spTgt>
+                                        </p:tgtEl>
+                                      </p:cBhvr>
+                                    </p:animEffect>
+                                  </p:childTnLst>
+                                </p:cTn>
+                              </p:par>
+                            </p:childTnLst>
+                          </p:cTn>
+                        </p:par>
+                      </p:childTnLst>
+                    </p:cTn>
+                  </p:par>
+                  <p:par>
+                    <p:cTn id="33" fill="hold">
+                      <p:stCondLst>
+                        <p:cond delay="indefinite"/>
+                      </p:stCondLst>
+                      <p:childTnLst>
+                        <p:par>
+                          <p:cTn id="34" fill="hold">
+                            <p:stCondLst>
+                              <p:cond delay="0"/>
+                            </p:stCondLst>
+                            <p:childTnLst>
+                              <p:par>
+                                <p:cTn id="35" presetID="42" presetClass="entr" presetSubtype="0" fill="hold" nodeType="clickEffect">
+                                  <p:stCondLst>
+                                    <p:cond delay="0"/>
+                                  </p:stCondLst>
+                                  <p:childTnLst>
+                                    <p:set>
+                                      <p:cBhvr>
+                                        <p:cTn id="36" dur="1" fill="hold">
+                                          <p:stCondLst>
+                                            <p:cond delay="0"/>
+                                          </p:stCondLst>
+                                        </p:cTn>
+                                        <p:tgtEl>
+                                          <p:spTgt spid="8">
+                                            <p:txEl>
+                                              <p:pRg st="0" end="0"/>
+                                            </p:txEl>
+                                          </p:spTgt>
+                                        </p:tgtEl>
+                                        <p:attrNameLst>
+                                          <p:attrName>style.visibility</p:attrName>
+                                        </p:attrNameLst>
+                                      </p:cBhvr>
+                                      <p:to>
+                                        <p:strVal val="visible"/>
+                                      </p:to>
+                                    </p:set>
+                                    <p:animEffect transition="in" filter="fade">
+                                      <p:cBhvr>
+                                        <p:cTn id="37" dur="1000"/>
+                                        <p:tgtEl>
+                                          <p:spTgt spid="8">
+                                            <p:txEl>
+                                              <p:pRg st="0" end="0"/>
+                                            </p:txEl>
+                                          </p:spTgt>
+                                        </p:tgtEl>
+                                      </p:cBhvr>
+                                    </p:animEffect>
+                                    <p:anim calcmode="lin" valueType="num">
+                                      <p:cBhvr>
+                                        <p:cTn id="38" dur="1000" fill="hold"/>
+                                        <p:tgtEl>
+                                          <p:spTgt spid="8">
+                                            <p:txEl>
+                                              <p:pRg st="0" end="0"/>
+                                            </p:txEl>
+                                          </p:spTgt>
+                                        </p:tgtEl>
+                                        <p:attrNameLst>
+                                          <p:attrName>ppt_x</p:attrName>
+                                        </p:attrNameLst>
+                                      </p:cBhvr>
+                                      <p:tavLst>
+                                        <p:tav tm="0">
+                                          <p:val>
+                                            <p:strVal val="#ppt_x"/>
+                                          </p:val>
+                                        </p:tav>
+                                        <p:tav tm="100000">
+                                          <p:val>
+                                            <p:strVal val="#ppt_x"/>
+                                          </p:val>
+                                        </p:tav>
+                                      </p:tavLst>
+                                    </p:anim>
+                                    <p:anim calcmode="lin" valueType="num">
+                                      <p:cBhvr>
+                                        <p:cTn id="39" dur="1000" fill="hold"/>
+                                        <p:tgtEl>
+                                          <p:spTgt spid="8">
+                                            <p:txEl>
+                                              <p:pRg st="0" end="0"/>
+                                            </p:txEl>
+                                          </p:spTgt>
+                                        </p:tgtEl>
+                                        <p:attrNameLst>
+                                          <p:attrName>ppt_y</p:attrName>
+                                        </p:attrNameLst>
+                                      </p:cBhvr>
+                                      <p:tavLst>
+                                        <p:tav tm="0">
+                                          <p:val>
+                                            <p:strVal val="#ppt_y+.1"/>
+                                          </p:val>
+                                        </p:tav>
+                                        <p:tav tm="100000">
+                                          <p:val>
+                                            <p:strVal val="#ppt_y"/>
+                                          </p:val>
+                                        </p:tav>
+                                      </p:tavLst>
+                                    </p:anim>
+                                  </p:childTnLst>
+                                </p:cTn>
+                              </p:par>
+                            </p:childTnLst>
+                          </p:cTn>
+                        </p:par>
+                      </p:childTnLst>
+                    </p:cTn>
+                  </p:par>
+                  <p:par>
+                    <p:cTn id="40" fill="hold">
+                      <p:stCondLst>
+                        <p:cond delay="indefinite"/>
+                      </p:stCondLst>
+                      <p:childTnLst>
+                        <p:par>
+                          <p:cTn id="41" fill="hold">
+                            <p:stCondLst>
+                              <p:cond delay="0"/>
+                            </p:stCondLst>
+                            <p:childTnLst>
+                              <p:par>
+                                <p:cTn id="42" presetID="16" presetClass="entr" presetSubtype="21" fill="hold" nodeType="clickEffect">
+                                  <p:stCondLst>
+                                    <p:cond delay="0"/>
+                                  </p:stCondLst>
+                                  <p:childTnLst>
+                                    <p:set>
+                                      <p:cBhvr>
+                                        <p:cTn id="43" dur="1" fill="hold">
+                                          <p:stCondLst>
+                                            <p:cond delay="0"/>
+                                          </p:stCondLst>
+                                        </p:cTn>
+                                        <p:tgtEl>
+                                          <p:spTgt spid="8">
+                                            <p:txEl>
+                                              <p:pRg st="2" end="2"/>
+                                            </p:txEl>
+                                          </p:spTgt>
+                                        </p:tgtEl>
+                                        <p:attrNameLst>
+                                          <p:attrName>style.visibility</p:attrName>
+                                        </p:attrNameLst>
+                                      </p:cBhvr>
+                                      <p:to>
+                                        <p:strVal val="visible"/>
+                                      </p:to>
+                                    </p:set>
+                                    <p:animEffect transition="in" filter="barn(inVertical)">
+                                      <p:cBhvr>
+                                        <p:cTn id="44" dur="500"/>
+                                        <p:tgtEl>
+                                          <p:spTgt spid="8">
+                                            <p:txEl>
+                                              <p:pRg st="2" end="2"/>
+                                            </p:txEl>
+                                          </p:spTgt>
+                                        </p:tgtEl>
+                                      </p:cBhvr>
+                                    </p:animEffect>
+                                  </p:childTnLst>
+                                </p:cTn>
+                              </p:par>
+                              <p:par>
+                                <p:cTn id="45" presetID="16" presetClass="entr" presetSubtype="21" fill="hold" nodeType="withEffect">
+                                  <p:stCondLst>
+                                    <p:cond delay="0"/>
+                                  </p:stCondLst>
+                                  <p:childTnLst>
+                                    <p:set>
+                                      <p:cBhvr>
+                                        <p:cTn id="46" dur="1" fill="hold">
+                                          <p:stCondLst>
+                                            <p:cond delay="0"/>
+                                          </p:stCondLst>
+                                        </p:cTn>
+                                        <p:tgtEl>
+                                          <p:spTgt spid="8">
+                                            <p:txEl>
+                                              <p:pRg st="4" end="4"/>
+                                            </p:txEl>
+                                          </p:spTgt>
+                                        </p:tgtEl>
+                                        <p:attrNameLst>
+                                          <p:attrName>style.visibility</p:attrName>
+                                        </p:attrNameLst>
+                                      </p:cBhvr>
+                                      <p:to>
+                                        <p:strVal val="visible"/>
+                                      </p:to>
+                                    </p:set>
+                                    <p:animEffect transition="in" filter="barn(inVertical)">
+                                      <p:cBhvr>
+                                        <p:cTn id="47" dur="500"/>
+                                        <p:tgtEl>
+                                          <p:spTgt spid="8">
+                                            <p:txEl>
+                                              <p:pRg st="4" end="4"/>
+                                            </p:txEl>
+                                          </p:spTgt>
+                                        </p:tgtEl>
+                                      </p:cBhvr>
+                                    </p:animEffect>
+                                  </p:childTnLst>
+                                </p:cTn>
+                              </p:par>
+                              <p:par>
+                                <p:cTn id="48" presetID="16" presetClass="entr" presetSubtype="21" fill="hold" nodeType="withEffect">
+                                  <p:stCondLst>
+                                    <p:cond delay="0"/>
+                                  </p:stCondLst>
+                                  <p:childTnLst>
+                                    <p:set>
+                                      <p:cBhvr>
+                                        <p:cTn id="49" dur="1" fill="hold">
+                                          <p:stCondLst>
+                                            <p:cond delay="0"/>
+                                          </p:stCondLst>
+                                        </p:cTn>
+                                        <p:tgtEl>
+                                          <p:spTgt spid="8">
+                                            <p:txEl>
+                                              <p:pRg st="5" end="5"/>
+                                            </p:txEl>
+                                          </p:spTgt>
+                                        </p:tgtEl>
+                                        <p:attrNameLst>
+                                          <p:attrName>style.visibility</p:attrName>
+                                        </p:attrNameLst>
+                                      </p:cBhvr>
+                                      <p:to>
+                                        <p:strVal val="visible"/>
+                                      </p:to>
+                                    </p:set>
+                                    <p:animEffect transition="in" filter="barn(inVertical)">
+                                      <p:cBhvr>
+                                        <p:cTn id="50" dur="500"/>
+                                        <p:tgtEl>
+                                          <p:spTgt spid="8">
+                                            <p:txEl>
+                                              <p:pRg st="5" end="5"/>
+                                            </p:txEl>
+                                          </p:spTgt>
+                                        </p:tgtEl>
+                                      </p:cBhvr>
+                                    </p:animEffect>
+                                  </p:childTnLst>
+                                </p:cTn>
+                              </p:par>
+                              <p:par>
+                                <p:cTn id="51" presetID="16" presetClass="entr" presetSubtype="21" fill="hold" nodeType="withEffect">
+                                  <p:stCondLst>
+                                    <p:cond delay="0"/>
+                                  </p:stCondLst>
+                                  <p:childTnLst>
+                                    <p:set>
+                                      <p:cBhvr>
+                                        <p:cTn id="52" dur="1" fill="hold">
+                                          <p:stCondLst>
+                                            <p:cond delay="0"/>
+                                          </p:stCondLst>
+                                        </p:cTn>
+                                        <p:tgtEl>
+                                          <p:spTgt spid="8">
+                                            <p:txEl>
+                                              <p:pRg st="6" end="6"/>
+                                            </p:txEl>
+                                          </p:spTgt>
+                                        </p:tgtEl>
+                                        <p:attrNameLst>
+                                          <p:attrName>style.visibility</p:attrName>
+                                        </p:attrNameLst>
+                                      </p:cBhvr>
+                                      <p:to>
+                                        <p:strVal val="visible"/>
+                                      </p:to>
+                                    </p:set>
+                                    <p:animEffect transition="in" filter="barn(inVertical)">
+                                      <p:cBhvr>
+                                        <p:cTn id="53" dur="500"/>
+                                        <p:tgtEl>
+                                          <p:spTgt spid="8">
+                                            <p:txEl>
+                                              <p:pRg st="6" end="6"/>
+                                            </p:txEl>
+                                          </p:spTgt>
+                                        </p:tgtEl>
+                                      </p:cBhvr>
+                                    </p:animEffect>
+                                  </p:childTnLst>
+                                </p:cTn>
+                              </p:par>
+                            </p:childTnLst>
+                          </p:cTn>
+                        </p:par>
+                      </p:childTnLst>
+                    </p:cTn>
+                  </p:par>
+                </p:childTnLst>
+              </p:cTn>
+              <p:prevCondLst>
+                <p:cond evt="onPrev" delay="0">
+                  <p:tgtEl>
+                    <p:sldTgt/>
+                  </p:tgtEl>
+                </p:cond>
+              </p:prevCondLst>
+              <p:nextCondLst>
+                <p:cond evt="onNext" delay="0">
+                  <p:tgtEl>
+                    <p:sldTgt/>
+                  </p:tgtEl>
+                </p:cond>
+              </p:nextCondLst>
+            </p:seq>
+          </p:childTnLst>
+        </p:cTn>
       </p:par>
     </p:tnLst>
   </p:timing>
@@ -5705,6 +6649,179 @@
       </p:grpSpPr>
       <p:sp>
         <p:nvSpPr>
+          <p:cNvPr id="2" name="Title 1"/>
+          <p:cNvSpPr>
+            <a:spLocks noGrp="1"/>
+          </p:cNvSpPr>
+          <p:nvPr>
+            <p:ph type="title"/>
+          </p:nvPr>
+        </p:nvSpPr>
+        <p:spPr/>
+        <p:txBody>
+          <a:bodyPr/>
+          <a:lstStyle/>
+          <a:p>
+            <a:r>
+              <a:rPr lang="en-US" b="1" dirty="0" smtClean="0">
+                <a:solidFill>
+                  <a:schemeClr val="accent5"/>
+                </a:solidFill>
+              </a:rPr>
+              <a:t>		Client Requirements</a:t>
+            </a:r>
+            <a:endParaRPr lang="en-US" b="1" dirty="0">
+              <a:solidFill>
+                <a:schemeClr val="accent5"/>
+              </a:solidFill>
+            </a:endParaRPr>
+          </a:p>
+        </p:txBody>
+      </p:sp>
+      <p:sp>
+        <p:nvSpPr>
+          <p:cNvPr id="3" name="Content Placeholder 2"/>
+          <p:cNvSpPr>
+            <a:spLocks noGrp="1"/>
+          </p:cNvSpPr>
+          <p:nvPr>
+            <p:ph idx="1"/>
+          </p:nvPr>
+        </p:nvSpPr>
+        <p:spPr/>
+        <p:txBody>
+          <a:bodyPr/>
+          <a:lstStyle/>
+          <a:p>
+            <a:r>
+              <a:rPr lang="en-US" dirty="0" smtClean="0"/>
+              <a:t>1. I Need a Scorecard System that will Auto calculate score.</a:t>
+            </a:r>
+          </a:p>
+          <a:p>
+            <a:r>
+              <a:rPr lang="en-US" dirty="0" smtClean="0"/>
+              <a:t>2. I will press just one time and score should be calculated.</a:t>
+            </a:r>
+          </a:p>
+          <a:p>
+            <a:r>
+              <a:rPr lang="en-US" dirty="0" smtClean="0"/>
+              <a:t>3. Must Have to show in following format</a:t>
+            </a:r>
+          </a:p>
+          <a:p>
+            <a:pPr lvl="1">
+              <a:buFont typeface="Wingdings" panose="05000000000000000000" pitchFamily="2" charset="2"/>
+              <a:buChar char="Ø"/>
+            </a:pPr>
+            <a:r>
+              <a:rPr lang="en-US" dirty="0" smtClean="0"/>
+              <a:t> </a:t>
+            </a:r>
+            <a:r>
+              <a:rPr lang="en-US" dirty="0" err="1" smtClean="0"/>
+              <a:t>Commentry</a:t>
+            </a:r>
+            <a:r>
+              <a:rPr lang="en-US" dirty="0" smtClean="0"/>
+              <a:t> : WOW !!! What a Six !! It's Maximum</a:t>
+            </a:r>
+          </a:p>
+          <a:p>
+            <a:pPr lvl="1">
+              <a:buFont typeface="Wingdings" panose="05000000000000000000" pitchFamily="2" charset="2"/>
+              <a:buChar char="Ø"/>
+            </a:pPr>
+            <a:r>
+              <a:rPr lang="en-US" dirty="0" smtClean="0"/>
+              <a:t> Run : 20</a:t>
+            </a:r>
+          </a:p>
+          <a:p>
+            <a:pPr lvl="1">
+              <a:buFont typeface="Wingdings" panose="05000000000000000000" pitchFamily="2" charset="2"/>
+              <a:buChar char="Ø"/>
+            </a:pPr>
+            <a:r>
+              <a:rPr lang="en-US" dirty="0" smtClean="0"/>
+              <a:t> Wicket : 0</a:t>
+            </a:r>
+          </a:p>
+          <a:p>
+            <a:pPr lvl="1">
+              <a:buFont typeface="Wingdings" panose="05000000000000000000" pitchFamily="2" charset="2"/>
+              <a:buChar char="Ø"/>
+            </a:pPr>
+            <a:r>
+              <a:rPr lang="en-US" dirty="0" smtClean="0"/>
+              <a:t> Over : 2.3 Overs</a:t>
+            </a:r>
+          </a:p>
+          <a:p>
+            <a:pPr lvl="1">
+              <a:buFont typeface="Wingdings" panose="05000000000000000000" pitchFamily="2" charset="2"/>
+              <a:buChar char="Ø"/>
+            </a:pPr>
+            <a:r>
+              <a:rPr lang="en-US" dirty="0" smtClean="0"/>
+              <a:t> Total Score : 20/0 2.3 Overs</a:t>
+            </a:r>
+            <a:endParaRPr lang="en-US" dirty="0"/>
+          </a:p>
+        </p:txBody>
+      </p:sp>
+    </p:spTree>
+    <p:extLst>
+      <p:ext uri="{BB962C8B-B14F-4D97-AF65-F5344CB8AC3E}">
+        <p14:creationId xmlns:p14="http://schemas.microsoft.com/office/powerpoint/2010/main" val="3446899126"/>
+      </p:ext>
+    </p:extLst>
+  </p:cSld>
+  <p:clrMapOvr>
+    <a:masterClrMapping/>
+  </p:clrMapOvr>
+  <mc:AlternateContent xmlns:mc="http://schemas.openxmlformats.org/markup-compatibility/2006">
+    <mc:Choice xmlns:p14="http://schemas.microsoft.com/office/powerpoint/2010/main" Requires="p14">
+      <p:transition spd="slow" p14:dur="1250">
+        <p14:switch dir="r"/>
+      </p:transition>
+    </mc:Choice>
+    <mc:Fallback>
+      <p:transition spd="slow">
+        <p:fade/>
+      </p:transition>
+    </mc:Fallback>
+  </mc:AlternateContent>
+  <p:timing>
+    <p:tnLst>
+      <p:par>
+        <p:cTn id="1" dur="indefinite" restart="never" nodeType="tmRoot"/>
+      </p:par>
+    </p:tnLst>
+  </p:timing>
+</p:sld>
+</file>
+
+<file path=ppt/slides/slide8.xml><?xml version="1.0" encoding="utf-8"?>
+<p:sld xmlns:a="http://schemas.openxmlformats.org/drawingml/2006/main" xmlns:r="http://schemas.openxmlformats.org/officeDocument/2006/relationships" xmlns:p="http://schemas.openxmlformats.org/presentationml/2006/main">
+  <p:cSld>
+    <p:spTree>
+      <p:nvGrpSpPr>
+        <p:cNvPr id="1" name=""/>
+        <p:cNvGrpSpPr/>
+        <p:nvPr/>
+      </p:nvGrpSpPr>
+      <p:grpSpPr>
+        <a:xfrm>
+          <a:off x="0" y="0"/>
+          <a:ext cx="0" cy="0"/>
+          <a:chOff x="0" y="0"/>
+          <a:chExt cx="0" cy="0"/>
+        </a:xfrm>
+      </p:grpSpPr>
+      <p:sp>
+        <p:nvSpPr>
           <p:cNvPr id="3" name="Content Placeholder 2"/>
           <p:cNvSpPr>
             <a:spLocks noGrp="1"/>
@@ -5746,13 +6863,13 @@
   <p:clrMapOvr>
     <a:masterClrMapping/>
   </p:clrMapOvr>
-  <mc:AlternateContent xmlns:mc="http://schemas.openxmlformats.org/markup-compatibility/2006">
-    <mc:Choice xmlns:p15="http://schemas.microsoft.com/office/powerpoint/2012/main" Requires="p15">
+  <mc:AlternateContent xmlns:mc="http://schemas.openxmlformats.org/markup-compatibility/2006" xmlns:p15="http://schemas.microsoft.com/office/powerpoint/2012/main">
+    <mc:Choice Requires="p15">
       <p:transition xmlns:p14="http://schemas.microsoft.com/office/powerpoint/2010/main" spd="slow" p14:dur="1250">
         <p15:prstTrans prst="airplane"/>
       </p:transition>
     </mc:Choice>
-    <mc:Fallback>
+    <mc:Fallback xmlns="">
       <p:transition spd="slow">
         <p:fade/>
       </p:transition>
